--- a/Presentation1.pptx
+++ b/Presentation1.pptx
@@ -6,22 +6,32 @@
   </p:sldMasterIdLst>
   <p:sldIdLst>
     <p:sldId id="256" r:id="rId3"/>
-    <p:sldId id="258" r:id="rId4"/>
-    <p:sldId id="259" r:id="rId5"/>
-    <p:sldId id="262" r:id="rId6"/>
-    <p:sldId id="263" r:id="rId7"/>
-    <p:sldId id="265" r:id="rId8"/>
-    <p:sldId id="268" r:id="rId9"/>
-    <p:sldId id="264" r:id="rId10"/>
-    <p:sldId id="269" r:id="rId11"/>
-    <p:sldId id="270" r:id="rId12"/>
-    <p:sldId id="272" r:id="rId13"/>
-    <p:sldId id="274" r:id="rId14"/>
-    <p:sldId id="275" r:id="rId15"/>
-    <p:sldId id="277" r:id="rId16"/>
-    <p:sldId id="276" r:id="rId17"/>
-    <p:sldId id="278" r:id="rId18"/>
-    <p:sldId id="280" r:id="rId19"/>
+    <p:sldId id="281" r:id="rId4"/>
+    <p:sldId id="282" r:id="rId5"/>
+    <p:sldId id="283" r:id="rId6"/>
+    <p:sldId id="284" r:id="rId7"/>
+    <p:sldId id="285" r:id="rId8"/>
+    <p:sldId id="286" r:id="rId9"/>
+    <p:sldId id="287" r:id="rId10"/>
+    <p:sldId id="289" r:id="rId11"/>
+    <p:sldId id="290" r:id="rId12"/>
+    <p:sldId id="291" r:id="rId13"/>
+    <p:sldId id="258" r:id="rId14"/>
+    <p:sldId id="259" r:id="rId15"/>
+    <p:sldId id="262" r:id="rId16"/>
+    <p:sldId id="263" r:id="rId17"/>
+    <p:sldId id="265" r:id="rId18"/>
+    <p:sldId id="268" r:id="rId19"/>
+    <p:sldId id="264" r:id="rId20"/>
+    <p:sldId id="269" r:id="rId21"/>
+    <p:sldId id="270" r:id="rId22"/>
+    <p:sldId id="293" r:id="rId23"/>
+    <p:sldId id="274" r:id="rId24"/>
+    <p:sldId id="275" r:id="rId25"/>
+    <p:sldId id="277" r:id="rId26"/>
+    <p:sldId id="276" r:id="rId27"/>
+    <p:sldId id="278" r:id="rId28"/>
+    <p:sldId id="280" r:id="rId29"/>
   </p:sldIdLst>
   <p:sldSz cx="12192000" cy="6858000"/>
   <p:notesSz cx="6858000" cy="9144000"/>
@@ -2954,7 +2964,7 @@
           <a:p>
             <a:r>
               <a:rPr lang="en-US" dirty="0"/>
-              <a:t>DSP sampling</a:t>
+              <a:t>DSP w2 sampling</a:t>
             </a:r>
             <a:endParaRPr lang="en-US" dirty="0"/>
           </a:p>
@@ -3009,20 +3019,28 @@
         </p:nvSpPr>
         <p:spPr/>
         <p:txBody>
-          <a:bodyPr/>
-          <a:p>
-            <a:endParaRPr lang="en-US"/>
-          </a:p>
-        </p:txBody>
-      </p:sp>
-      <p:pic>
-        <p:nvPicPr>
-          <p:cNvPr id="4" name="Content Placeholder 3"/>
-          <p:cNvPicPr>
-            <a:picLocks noChangeAspect="1"/>
-          </p:cNvPicPr>
-          <p:nvPr>
-            <p:ph idx="1"/>
+          <a:bodyPr>
+            <a:normAutofit/>
+          </a:bodyPr>
+          <a:p>
+            <a:r>
+              <a:rPr lang="en-US">
+                <a:sym typeface="+mn-ea"/>
+              </a:rPr>
+              <a:t>Sampling C with LC</a:t>
+            </a:r>
+            <a:endParaRPr lang="en-US"/>
+          </a:p>
+        </p:txBody>
+      </p:sp>
+      <p:pic>
+        <p:nvPicPr>
+          <p:cNvPr id="11" name="Content Placeholder 10"/>
+          <p:cNvPicPr>
+            <a:picLocks noChangeAspect="1"/>
+          </p:cNvPicPr>
+          <p:nvPr>
+            <p:ph sz="half" idx="1"/>
           </p:nvPr>
         </p:nvPicPr>
         <p:blipFill>
@@ -3033,32 +3051,130 @@
         </p:blipFill>
         <p:spPr>
           <a:xfrm>
-            <a:off x="353060" y="365125"/>
-            <a:ext cx="11486515" cy="3210560"/>
-          </a:xfrm>
-          <a:prstGeom prst="rect">
-            <a:avLst/>
-          </a:prstGeom>
-        </p:spPr>
-      </p:pic>
-      <p:pic>
-        <p:nvPicPr>
-          <p:cNvPr id="5" name="Picture 4"/>
+            <a:off x="838200" y="1691005"/>
+            <a:ext cx="5181600" cy="1664970"/>
+          </a:xfrm>
+          <a:prstGeom prst="rect">
+            <a:avLst/>
+          </a:prstGeom>
+        </p:spPr>
+      </p:pic>
+      <p:pic>
+        <p:nvPicPr>
+          <p:cNvPr id="12" name="Content Placeholder 11"/>
+          <p:cNvPicPr>
+            <a:picLocks noChangeAspect="1"/>
+          </p:cNvPicPr>
+          <p:nvPr>
+            <p:ph sz="half" idx="2"/>
+          </p:nvPr>
+        </p:nvPicPr>
+        <p:blipFill>
+          <a:blip r:embed="rId2"/>
+          <a:stretch>
+            <a:fillRect/>
+          </a:stretch>
+        </p:blipFill>
+        <p:spPr>
+          <a:xfrm>
+            <a:off x="6224270" y="1672590"/>
+            <a:ext cx="5181600" cy="1701800"/>
+          </a:xfrm>
+          <a:prstGeom prst="rect">
+            <a:avLst/>
+          </a:prstGeom>
+        </p:spPr>
+      </p:pic>
+      <p:pic>
+        <p:nvPicPr>
+          <p:cNvPr id="13" name="Picture 12"/>
           <p:cNvPicPr>
             <a:picLocks noChangeAspect="1"/>
           </p:cNvPicPr>
           <p:nvPr/>
         </p:nvPicPr>
         <p:blipFill>
-          <a:blip r:embed="rId2"/>
-          <a:stretch>
-            <a:fillRect/>
-          </a:stretch>
-        </p:blipFill>
-        <p:spPr>
-          <a:xfrm>
-            <a:off x="440055" y="3575685"/>
-            <a:ext cx="10843260" cy="3108960"/>
+          <a:blip r:embed="rId3"/>
+          <a:stretch>
+            <a:fillRect/>
+          </a:stretch>
+        </p:blipFill>
+        <p:spPr>
+          <a:xfrm>
+            <a:off x="838200" y="3435985"/>
+            <a:ext cx="5374005" cy="1779270"/>
+          </a:xfrm>
+          <a:prstGeom prst="rect">
+            <a:avLst/>
+          </a:prstGeom>
+        </p:spPr>
+      </p:pic>
+      <p:pic>
+        <p:nvPicPr>
+          <p:cNvPr id="14" name="Picture 13"/>
+          <p:cNvPicPr>
+            <a:picLocks noChangeAspect="1"/>
+          </p:cNvPicPr>
+          <p:nvPr/>
+        </p:nvPicPr>
+        <p:blipFill>
+          <a:blip r:embed="rId4"/>
+          <a:stretch>
+            <a:fillRect/>
+          </a:stretch>
+        </p:blipFill>
+        <p:spPr>
+          <a:xfrm>
+            <a:off x="6224270" y="3435985"/>
+            <a:ext cx="5196840" cy="1683385"/>
+          </a:xfrm>
+          <a:prstGeom prst="rect">
+            <a:avLst/>
+          </a:prstGeom>
+        </p:spPr>
+      </p:pic>
+      <p:pic>
+        <p:nvPicPr>
+          <p:cNvPr id="15" name="Picture 14"/>
+          <p:cNvPicPr>
+            <a:picLocks noChangeAspect="1"/>
+          </p:cNvPicPr>
+          <p:nvPr/>
+        </p:nvPicPr>
+        <p:blipFill>
+          <a:blip r:embed="rId5"/>
+          <a:stretch>
+            <a:fillRect/>
+          </a:stretch>
+        </p:blipFill>
+        <p:spPr>
+          <a:xfrm>
+            <a:off x="832485" y="5215255"/>
+            <a:ext cx="5384800" cy="1745615"/>
+          </a:xfrm>
+          <a:prstGeom prst="rect">
+            <a:avLst/>
+          </a:prstGeom>
+        </p:spPr>
+      </p:pic>
+      <p:pic>
+        <p:nvPicPr>
+          <p:cNvPr id="16" name="Picture 15"/>
+          <p:cNvPicPr>
+            <a:picLocks noChangeAspect="1"/>
+          </p:cNvPicPr>
+          <p:nvPr/>
+        </p:nvPicPr>
+        <p:blipFill>
+          <a:blip r:embed="rId6"/>
+          <a:stretch>
+            <a:fillRect/>
+          </a:stretch>
+        </p:blipFill>
+        <p:spPr>
+          <a:xfrm>
+            <a:off x="6233160" y="5180965"/>
+            <a:ext cx="5187950" cy="1683385"/>
           </a:xfrm>
           <a:prstGeom prst="rect">
             <a:avLst/>
@@ -3095,20 +3211,28 @@
         </p:nvSpPr>
         <p:spPr/>
         <p:txBody>
-          <a:bodyPr/>
-          <a:p>
-            <a:endParaRPr lang="en-US"/>
-          </a:p>
-        </p:txBody>
-      </p:sp>
-      <p:pic>
-        <p:nvPicPr>
-          <p:cNvPr id="4" name="Content Placeholder 3"/>
-          <p:cNvPicPr>
-            <a:picLocks noChangeAspect="1"/>
-          </p:cNvPicPr>
-          <p:nvPr>
-            <p:ph idx="1"/>
+          <a:bodyPr>
+            <a:normAutofit/>
+          </a:bodyPr>
+          <a:p>
+            <a:r>
+              <a:rPr lang="en-US">
+                <a:sym typeface="+mn-ea"/>
+              </a:rPr>
+              <a:t>Sampling D with LC</a:t>
+            </a:r>
+            <a:endParaRPr lang="en-US"/>
+          </a:p>
+        </p:txBody>
+      </p:sp>
+      <p:pic>
+        <p:nvPicPr>
+          <p:cNvPr id="12" name="Content Placeholder 11"/>
+          <p:cNvPicPr>
+            <a:picLocks noChangeAspect="1"/>
+          </p:cNvPicPr>
+          <p:nvPr>
+            <p:ph sz="half" idx="1"/>
           </p:nvPr>
         </p:nvPicPr>
         <p:blipFill>
@@ -3119,56 +3243,130 @@
         </p:blipFill>
         <p:spPr>
           <a:xfrm>
-            <a:off x="353060" y="365125"/>
-            <a:ext cx="11486515" cy="3210560"/>
-          </a:xfrm>
-          <a:prstGeom prst="rect">
-            <a:avLst/>
-          </a:prstGeom>
-        </p:spPr>
-      </p:pic>
-      <p:pic>
-        <p:nvPicPr>
-          <p:cNvPr id="5" name="Picture 4"/>
+            <a:off x="838200" y="1454785"/>
+            <a:ext cx="5181600" cy="1707515"/>
+          </a:xfrm>
+          <a:prstGeom prst="rect">
+            <a:avLst/>
+          </a:prstGeom>
+        </p:spPr>
+      </p:pic>
+      <p:pic>
+        <p:nvPicPr>
+          <p:cNvPr id="13" name="Content Placeholder 12"/>
+          <p:cNvPicPr>
+            <a:picLocks noChangeAspect="1"/>
+          </p:cNvPicPr>
+          <p:nvPr>
+            <p:ph sz="half" idx="2"/>
+          </p:nvPr>
+        </p:nvPicPr>
+        <p:blipFill>
+          <a:blip r:embed="rId2"/>
+          <a:stretch>
+            <a:fillRect/>
+          </a:stretch>
+        </p:blipFill>
+        <p:spPr>
+          <a:xfrm>
+            <a:off x="6172200" y="1454150"/>
+            <a:ext cx="5181600" cy="1741170"/>
+          </a:xfrm>
+          <a:prstGeom prst="rect">
+            <a:avLst/>
+          </a:prstGeom>
+        </p:spPr>
+      </p:pic>
+      <p:pic>
+        <p:nvPicPr>
+          <p:cNvPr id="14" name="Picture 13"/>
           <p:cNvPicPr>
             <a:picLocks noChangeAspect="1"/>
           </p:cNvPicPr>
           <p:nvPr/>
         </p:nvPicPr>
         <p:blipFill>
-          <a:blip r:embed="rId2"/>
-          <a:stretch>
-            <a:fillRect/>
-          </a:stretch>
-        </p:blipFill>
-        <p:spPr>
-          <a:xfrm>
-            <a:off x="440055" y="3575685"/>
-            <a:ext cx="10843260" cy="3108960"/>
-          </a:xfrm>
-          <a:prstGeom prst="rect">
-            <a:avLst/>
-          </a:prstGeom>
-        </p:spPr>
-      </p:pic>
-      <p:pic>
-        <p:nvPicPr>
-          <p:cNvPr id="9" name="Picture 8"/>
+          <a:blip r:embed="rId3"/>
+          <a:stretch>
+            <a:fillRect/>
+          </a:stretch>
+        </p:blipFill>
+        <p:spPr>
+          <a:xfrm>
+            <a:off x="758190" y="3214370"/>
+            <a:ext cx="5414010" cy="1740535"/>
+          </a:xfrm>
+          <a:prstGeom prst="rect">
+            <a:avLst/>
+          </a:prstGeom>
+        </p:spPr>
+      </p:pic>
+      <p:pic>
+        <p:nvPicPr>
+          <p:cNvPr id="15" name="Picture 14"/>
           <p:cNvPicPr>
             <a:picLocks noChangeAspect="1"/>
           </p:cNvPicPr>
           <p:nvPr/>
         </p:nvPicPr>
         <p:blipFill>
-          <a:blip r:embed="rId3"/>
-          <a:stretch>
-            <a:fillRect/>
-          </a:stretch>
-        </p:blipFill>
-        <p:spPr>
-          <a:xfrm>
-            <a:off x="306070" y="1265555"/>
-            <a:ext cx="4742815" cy="2466975"/>
+          <a:blip r:embed="rId4"/>
+          <a:stretch>
+            <a:fillRect/>
+          </a:stretch>
+        </p:blipFill>
+        <p:spPr>
+          <a:xfrm>
+            <a:off x="6230620" y="3214370"/>
+            <a:ext cx="5273040" cy="1706880"/>
+          </a:xfrm>
+          <a:prstGeom prst="rect">
+            <a:avLst/>
+          </a:prstGeom>
+        </p:spPr>
+      </p:pic>
+      <p:pic>
+        <p:nvPicPr>
+          <p:cNvPr id="16" name="Picture 15"/>
+          <p:cNvPicPr>
+            <a:picLocks noChangeAspect="1"/>
+          </p:cNvPicPr>
+          <p:nvPr/>
+        </p:nvPicPr>
+        <p:blipFill>
+          <a:blip r:embed="rId5"/>
+          <a:stretch>
+            <a:fillRect/>
+          </a:stretch>
+        </p:blipFill>
+        <p:spPr>
+          <a:xfrm>
+            <a:off x="662305" y="5006975"/>
+            <a:ext cx="5126355" cy="1676400"/>
+          </a:xfrm>
+          <a:prstGeom prst="rect">
+            <a:avLst/>
+          </a:prstGeom>
+        </p:spPr>
+      </p:pic>
+      <p:pic>
+        <p:nvPicPr>
+          <p:cNvPr id="17" name="Picture 16"/>
+          <p:cNvPicPr>
+            <a:picLocks noChangeAspect="1"/>
+          </p:cNvPicPr>
+          <p:nvPr/>
+        </p:nvPicPr>
+        <p:blipFill>
+          <a:blip r:embed="rId6"/>
+          <a:stretch>
+            <a:fillRect/>
+          </a:stretch>
+        </p:blipFill>
+        <p:spPr>
+          <a:xfrm>
+            <a:off x="6185535" y="5021580"/>
+            <a:ext cx="5154295" cy="1661795"/>
           </a:xfrm>
           <a:prstGeom prst="rect">
             <a:avLst/>
@@ -3207,78 +3405,670 @@
         <p:txBody>
           <a:bodyPr/>
           <a:p>
-            <a:endParaRPr lang="en-US"/>
-          </a:p>
-        </p:txBody>
-      </p:sp>
-      <p:pic>
-        <p:nvPicPr>
-          <p:cNvPr id="8" name="Content Placeholder 7"/>
-          <p:cNvPicPr>
-            <a:picLocks noChangeAspect="1"/>
-          </p:cNvPicPr>
+            <a:r>
+              <a:rPr lang="en-US"/>
+              <a:t>Total MAE</a:t>
+            </a:r>
+            <a:endParaRPr lang="en-US"/>
+          </a:p>
+        </p:txBody>
+      </p:sp>
+      <p:graphicFrame>
+        <p:nvGraphicFramePr>
+          <p:cNvPr id="4" name="Content Placeholder 3"/>
+          <p:cNvGraphicFramePr/>
           <p:nvPr>
             <p:ph idx="1"/>
           </p:nvPr>
+        </p:nvGraphicFramePr>
+        <p:xfrm>
+          <a:off x="838200" y="2710180"/>
+          <a:ext cx="10576560" cy="3367405"/>
+        </p:xfrm>
+        <a:graphic>
+          <a:graphicData uri="http://schemas.openxmlformats.org/drawingml/2006/table">
+            <a:tbl>
+              <a:tblPr firstRow="1" bandRow="1">
+                <a:tableStyleId>{5C22544A-7EE6-4342-B048-85BDC9FD1C3A}</a:tableStyleId>
+              </a:tblPr>
+              <a:tblGrid>
+                <a:gridCol w="1835150"/>
+                <a:gridCol w="1456690"/>
+                <a:gridCol w="1456690"/>
+                <a:gridCol w="1457325"/>
+                <a:gridCol w="1456690"/>
+                <a:gridCol w="1457325"/>
+                <a:gridCol w="1456690"/>
+              </a:tblGrid>
+              <a:tr h="465455">
+                <a:tc>
+                  <a:txBody>
+                    <a:bodyPr/>
+                    <a:p>
+                      <a:pPr>
+                        <a:buNone/>
+                      </a:pPr>
+                      <a:r>
+                        <a:rPr lang="en-US"/>
+                        <a:t>Sampling rate</a:t>
+                      </a:r>
+                      <a:endParaRPr lang="en-US"/>
+                    </a:p>
+                  </a:txBody>
+                  <a:tcPr/>
+                </a:tc>
+                <a:tc rowSpan="2">
+                  <a:txBody>
+                    <a:bodyPr/>
+                    <a:p>
+                      <a:pPr>
+                        <a:buNone/>
+                      </a:pPr>
+                      <a:r>
+                        <a:rPr lang="en-US"/>
+                        <a:t>480</a:t>
+                      </a:r>
+                      <a:endParaRPr lang="en-US"/>
+                    </a:p>
+                  </a:txBody>
+                  <a:tcPr/>
+                </a:tc>
+                <a:tc rowSpan="2">
+                  <a:txBody>
+                    <a:bodyPr/>
+                    <a:p>
+                      <a:pPr>
+                        <a:buNone/>
+                      </a:pPr>
+                      <a:r>
+                        <a:rPr lang="en-US"/>
+                        <a:t>240</a:t>
+                      </a:r>
+                      <a:endParaRPr lang="en-US"/>
+                    </a:p>
+                  </a:txBody>
+                  <a:tcPr/>
+                </a:tc>
+                <a:tc rowSpan="2">
+                  <a:txBody>
+                    <a:bodyPr/>
+                    <a:p>
+                      <a:pPr>
+                        <a:buNone/>
+                      </a:pPr>
+                      <a:r>
+                        <a:rPr lang="en-US"/>
+                        <a:t>120</a:t>
+                      </a:r>
+                      <a:endParaRPr lang="en-US"/>
+                    </a:p>
+                  </a:txBody>
+                  <a:tcPr/>
+                </a:tc>
+                <a:tc rowSpan="2">
+                  <a:txBody>
+                    <a:bodyPr/>
+                    <a:p>
+                      <a:pPr>
+                        <a:buNone/>
+                      </a:pPr>
+                      <a:r>
+                        <a:rPr lang="en-US"/>
+                        <a:t>60</a:t>
+                      </a:r>
+                      <a:endParaRPr lang="en-US"/>
+                    </a:p>
+                  </a:txBody>
+                  <a:tcPr/>
+                </a:tc>
+                <a:tc rowSpan="2">
+                  <a:txBody>
+                    <a:bodyPr/>
+                    <a:p>
+                      <a:pPr>
+                        <a:buNone/>
+                      </a:pPr>
+                      <a:r>
+                        <a:rPr lang="en-US"/>
+                        <a:t>30</a:t>
+                      </a:r>
+                      <a:endParaRPr lang="en-US"/>
+                    </a:p>
+                  </a:txBody>
+                  <a:tcPr/>
+                </a:tc>
+                <a:tc rowSpan="2">
+                  <a:txBody>
+                    <a:bodyPr/>
+                    <a:p>
+                      <a:pPr>
+                        <a:buNone/>
+                      </a:pPr>
+                      <a:r>
+                        <a:rPr lang="en-US"/>
+                        <a:t>15</a:t>
+                      </a:r>
+                      <a:endParaRPr lang="en-US"/>
+                    </a:p>
+                  </a:txBody>
+                  <a:tcPr/>
+                </a:tc>
+              </a:tr>
+              <a:tr h="561340">
+                <a:tc>
+                  <a:txBody>
+                    <a:bodyPr/>
+                    <a:p>
+                      <a:pPr>
+                        <a:buNone/>
+                      </a:pPr>
+                      <a:r>
+                        <a:rPr lang="en-US"/>
+                        <a:t>Signal</a:t>
+                      </a:r>
+                      <a:endParaRPr lang="en-US"/>
+                    </a:p>
+                  </a:txBody>
+                  <a:tcPr/>
+                </a:tc>
+                <a:tc vMerge="1">
+                  <a:tcPr/>
+                </a:tc>
+                <a:tc vMerge="1">
+                  <a:tcPr/>
+                </a:tc>
+                <a:tc vMerge="1">
+                  <a:tcPr/>
+                </a:tc>
+                <a:tc vMerge="1">
+                  <a:tcPr/>
+                </a:tc>
+                <a:tc vMerge="1">
+                  <a:tcPr/>
+                </a:tc>
+                <a:tc vMerge="1">
+                  <a:tcPr/>
+                </a:tc>
+              </a:tr>
+              <a:tr h="585470">
+                <a:tc>
+                  <a:txBody>
+                    <a:bodyPr/>
+                    <a:p>
+                      <a:pPr>
+                        <a:buNone/>
+                      </a:pPr>
+                      <a:r>
+                        <a:rPr lang="en-US"/>
+                        <a:t>A</a:t>
+                      </a:r>
+                      <a:endParaRPr lang="en-US"/>
+                    </a:p>
+                  </a:txBody>
+                  <a:tcPr/>
+                </a:tc>
+                <a:tc>
+                  <a:txBody>
+                    <a:bodyPr/>
+                    <a:p>
+                      <a:pPr>
+                        <a:buNone/>
+                      </a:pPr>
+                      <a:r>
+                        <a:rPr lang="en-US"/>
+                        <a:t>1.23e-05</a:t>
+                      </a:r>
+                      <a:endParaRPr lang="en-US"/>
+                    </a:p>
+                  </a:txBody>
+                  <a:tcPr/>
+                </a:tc>
+                <a:tc>
+                  <a:txBody>
+                    <a:bodyPr/>
+                    <a:p>
+                      <a:pPr>
+                        <a:buNone/>
+                      </a:pPr>
+                      <a:r>
+                        <a:rPr lang="en-US"/>
+                        <a:t>5.79e-05</a:t>
+                      </a:r>
+                      <a:endParaRPr lang="en-US"/>
+                    </a:p>
+                  </a:txBody>
+                  <a:tcPr/>
+                </a:tc>
+                <a:tc>
+                  <a:txBody>
+                    <a:bodyPr/>
+                    <a:p>
+                      <a:pPr>
+                        <a:buNone/>
+                      </a:pPr>
+                      <a:r>
+                        <a:rPr lang="en-US"/>
+                        <a:t>2.4e-04</a:t>
+                      </a:r>
+                      <a:endParaRPr lang="en-US"/>
+                    </a:p>
+                  </a:txBody>
+                  <a:tcPr/>
+                </a:tc>
+                <a:tc>
+                  <a:txBody>
+                    <a:bodyPr/>
+                    <a:p>
+                      <a:pPr>
+                        <a:buNone/>
+                      </a:pPr>
+                      <a:r>
+                        <a:rPr lang="en-US"/>
+                        <a:t>9.4e-04</a:t>
+                      </a:r>
+                      <a:endParaRPr lang="en-US"/>
+                    </a:p>
+                  </a:txBody>
+                  <a:tcPr/>
+                </a:tc>
+                <a:tc>
+                  <a:txBody>
+                    <a:bodyPr/>
+                    <a:p>
+                      <a:pPr>
+                        <a:buNone/>
+                      </a:pPr>
+                      <a:r>
+                        <a:rPr lang="en-US"/>
+                        <a:t>0.00413</a:t>
+                      </a:r>
+                      <a:endParaRPr lang="en-US"/>
+                    </a:p>
+                  </a:txBody>
+                  <a:tcPr/>
+                </a:tc>
+                <a:tc>
+                  <a:txBody>
+                    <a:bodyPr/>
+                    <a:p>
+                      <a:pPr>
+                        <a:buNone/>
+                      </a:pPr>
+                      <a:r>
+                        <a:rPr lang="en-US"/>
+                        <a:t>0.01833</a:t>
+                      </a:r>
+                      <a:endParaRPr lang="en-US"/>
+                    </a:p>
+                  </a:txBody>
+                  <a:tcPr/>
+                </a:tc>
+              </a:tr>
+              <a:tr h="584835">
+                <a:tc>
+                  <a:txBody>
+                    <a:bodyPr/>
+                    <a:p>
+                      <a:pPr>
+                        <a:buNone/>
+                      </a:pPr>
+                      <a:r>
+                        <a:rPr lang="en-US"/>
+                        <a:t>B</a:t>
+                      </a:r>
+                      <a:endParaRPr lang="en-US"/>
+                    </a:p>
+                  </a:txBody>
+                  <a:tcPr/>
+                </a:tc>
+                <a:tc>
+                  <a:txBody>
+                    <a:bodyPr/>
+                    <a:p>
+                      <a:pPr>
+                        <a:buNone/>
+                      </a:pPr>
+                      <a:r>
+                        <a:rPr lang="en-US"/>
+                        <a:t>0.00327</a:t>
+                      </a:r>
+                      <a:endParaRPr lang="en-US"/>
+                    </a:p>
+                  </a:txBody>
+                  <a:tcPr/>
+                </a:tc>
+                <a:tc>
+                  <a:txBody>
+                    <a:bodyPr/>
+                    <a:p>
+                      <a:pPr>
+                        <a:buNone/>
+                      </a:pPr>
+                      <a:r>
+                        <a:rPr lang="en-US"/>
+                        <a:t>0.01626</a:t>
+                      </a:r>
+                      <a:endParaRPr lang="en-US"/>
+                    </a:p>
+                  </a:txBody>
+                  <a:tcPr/>
+                </a:tc>
+                <a:tc>
+                  <a:txBody>
+                    <a:bodyPr/>
+                    <a:p>
+                      <a:pPr>
+                        <a:buNone/>
+                      </a:pPr>
+                      <a:r>
+                        <a:rPr lang="en-US"/>
+                        <a:t>0.06290</a:t>
+                      </a:r>
+                      <a:endParaRPr lang="en-US"/>
+                    </a:p>
+                  </a:txBody>
+                  <a:tcPr/>
+                </a:tc>
+                <a:tc>
+                  <a:txBody>
+                    <a:bodyPr/>
+                    <a:p>
+                      <a:pPr>
+                        <a:buNone/>
+                      </a:pPr>
+                      <a:r>
+                        <a:rPr lang="en-US"/>
+                        <a:t>0.20351</a:t>
+                      </a:r>
+                      <a:endParaRPr lang="en-US"/>
+                    </a:p>
+                  </a:txBody>
+                  <a:tcPr/>
+                </a:tc>
+                <a:tc>
+                  <a:txBody>
+                    <a:bodyPr/>
+                    <a:p>
+                      <a:pPr>
+                        <a:buNone/>
+                      </a:pPr>
+                      <a:r>
+                        <a:rPr lang="en-US"/>
+                        <a:t>0.29909</a:t>
+                      </a:r>
+                      <a:endParaRPr lang="en-US"/>
+                    </a:p>
+                  </a:txBody>
+                  <a:tcPr/>
+                </a:tc>
+                <a:tc>
+                  <a:txBody>
+                    <a:bodyPr/>
+                    <a:p>
+                      <a:pPr>
+                        <a:buNone/>
+                      </a:pPr>
+                      <a:r>
+                        <a:rPr lang="en-US"/>
+                        <a:t>0.35274</a:t>
+                      </a:r>
+                      <a:endParaRPr lang="en-US"/>
+                    </a:p>
+                  </a:txBody>
+                  <a:tcPr/>
+                </a:tc>
+              </a:tr>
+              <a:tr h="585470">
+                <a:tc>
+                  <a:txBody>
+                    <a:bodyPr/>
+                    <a:p>
+                      <a:pPr>
+                        <a:buNone/>
+                      </a:pPr>
+                      <a:r>
+                        <a:rPr lang="en-US"/>
+                        <a:t>C</a:t>
+                      </a:r>
+                      <a:endParaRPr lang="en-US"/>
+                    </a:p>
+                  </a:txBody>
+                  <a:tcPr/>
+                </a:tc>
+                <a:tc>
+                  <a:txBody>
+                    <a:bodyPr/>
+                    <a:p>
+                      <a:pPr>
+                        <a:buNone/>
+                      </a:pPr>
+                      <a:r>
+                        <a:rPr lang="en-US"/>
+                        <a:t>4.30e-05</a:t>
+                      </a:r>
+                      <a:endParaRPr lang="en-US"/>
+                    </a:p>
+                  </a:txBody>
+                  <a:tcPr/>
+                </a:tc>
+                <a:tc>
+                  <a:txBody>
+                    <a:bodyPr/>
+                    <a:p>
+                      <a:pPr>
+                        <a:buNone/>
+                      </a:pPr>
+                      <a:r>
+                        <a:rPr lang="en-US"/>
+                        <a:t>2.09e-04</a:t>
+                      </a:r>
+                      <a:endParaRPr lang="en-US"/>
+                    </a:p>
+                  </a:txBody>
+                  <a:tcPr/>
+                </a:tc>
+                <a:tc>
+                  <a:txBody>
+                    <a:bodyPr/>
+                    <a:p>
+                      <a:pPr>
+                        <a:buNone/>
+                      </a:pPr>
+                      <a:r>
+                        <a:rPr lang="en-US"/>
+                        <a:t>8.70e-04</a:t>
+                      </a:r>
+                      <a:endParaRPr lang="en-US"/>
+                    </a:p>
+                  </a:txBody>
+                  <a:tcPr/>
+                </a:tc>
+                <a:tc>
+                  <a:txBody>
+                    <a:bodyPr/>
+                    <a:p>
+                      <a:pPr>
+                        <a:buNone/>
+                      </a:pPr>
+                      <a:r>
+                        <a:rPr lang="en-US"/>
+                        <a:t>0.00337</a:t>
+                      </a:r>
+                      <a:endParaRPr lang="en-US"/>
+                    </a:p>
+                  </a:txBody>
+                  <a:tcPr/>
+                </a:tc>
+                <a:tc>
+                  <a:txBody>
+                    <a:bodyPr/>
+                    <a:p>
+                      <a:pPr>
+                        <a:buNone/>
+                      </a:pPr>
+                      <a:r>
+                        <a:rPr lang="en-US"/>
+                        <a:t>0.01543</a:t>
+                      </a:r>
+                      <a:endParaRPr lang="en-US"/>
+                    </a:p>
+                  </a:txBody>
+                  <a:tcPr/>
+                </a:tc>
+                <a:tc>
+                  <a:txBody>
+                    <a:bodyPr/>
+                    <a:p>
+                      <a:pPr>
+                        <a:buNone/>
+                      </a:pPr>
+                      <a:r>
+                        <a:rPr lang="en-US"/>
+                        <a:t>0.03342</a:t>
+                      </a:r>
+                      <a:endParaRPr lang="en-US"/>
+                    </a:p>
+                  </a:txBody>
+                  <a:tcPr/>
+                </a:tc>
+              </a:tr>
+              <a:tr h="584835">
+                <a:tc>
+                  <a:txBody>
+                    <a:bodyPr/>
+                    <a:p>
+                      <a:pPr>
+                        <a:buNone/>
+                      </a:pPr>
+                      <a:r>
+                        <a:rPr lang="en-US"/>
+                        <a:t>D</a:t>
+                      </a:r>
+                      <a:endParaRPr lang="en-US"/>
+                    </a:p>
+                  </a:txBody>
+                  <a:tcPr/>
+                </a:tc>
+                <a:tc>
+                  <a:txBody>
+                    <a:bodyPr/>
+                    <a:p>
+                      <a:pPr>
+                        <a:buNone/>
+                      </a:pPr>
+                      <a:r>
+                        <a:rPr lang="en-US"/>
+                        <a:t>0</a:t>
+                      </a:r>
+                      <a:endParaRPr lang="en-US"/>
+                    </a:p>
+                  </a:txBody>
+                  <a:tcPr/>
+                </a:tc>
+                <a:tc>
+                  <a:txBody>
+                    <a:bodyPr/>
+                    <a:p>
+                      <a:pPr>
+                        <a:buNone/>
+                      </a:pPr>
+                      <a:r>
+                        <a:rPr lang="en-US"/>
+                        <a:t>0</a:t>
+                      </a:r>
+                      <a:endParaRPr lang="en-US"/>
+                    </a:p>
+                  </a:txBody>
+                  <a:tcPr/>
+                </a:tc>
+                <a:tc>
+                  <a:txBody>
+                    <a:bodyPr/>
+                    <a:p>
+                      <a:pPr>
+                        <a:buNone/>
+                      </a:pPr>
+                      <a:r>
+                        <a:rPr lang="en-US"/>
+                        <a:t>0.00147</a:t>
+                      </a:r>
+                      <a:endParaRPr lang="en-US"/>
+                    </a:p>
+                  </a:txBody>
+                  <a:tcPr/>
+                </a:tc>
+                <a:tc>
+                  <a:txBody>
+                    <a:bodyPr/>
+                    <a:p>
+                      <a:pPr>
+                        <a:buNone/>
+                      </a:pPr>
+                      <a:r>
+                        <a:rPr lang="en-US"/>
+                        <a:t>0.00658</a:t>
+                      </a:r>
+                      <a:endParaRPr lang="en-US"/>
+                    </a:p>
+                  </a:txBody>
+                  <a:tcPr/>
+                </a:tc>
+                <a:tc>
+                  <a:txBody>
+                    <a:bodyPr/>
+                    <a:p>
+                      <a:pPr>
+                        <a:buNone/>
+                      </a:pPr>
+                      <a:r>
+                        <a:rPr lang="en-US"/>
+                        <a:t>0.02024</a:t>
+                      </a:r>
+                      <a:endParaRPr lang="en-US"/>
+                    </a:p>
+                  </a:txBody>
+                  <a:tcPr/>
+                </a:tc>
+                <a:tc>
+                  <a:txBody>
+                    <a:bodyPr/>
+                    <a:p>
+                      <a:pPr>
+                        <a:buNone/>
+                      </a:pPr>
+                      <a:r>
+                        <a:rPr lang="en-US"/>
+                        <a:t>0.04697</a:t>
+                      </a:r>
+                      <a:endParaRPr lang="en-US"/>
+                    </a:p>
+                  </a:txBody>
+                  <a:tcPr/>
+                </a:tc>
+              </a:tr>
+            </a:tbl>
+          </a:graphicData>
+        </a:graphic>
+      </p:graphicFrame>
+      <p:pic>
+        <p:nvPicPr>
+          <p:cNvPr id="3" name="Picture 2"/>
+          <p:cNvPicPr>
+            <a:picLocks noChangeAspect="1"/>
+          </p:cNvPicPr>
+          <p:nvPr/>
         </p:nvPicPr>
         <p:blipFill>
           <a:blip r:embed="rId1"/>
-          <a:stretch>
-            <a:fillRect/>
-          </a:stretch>
-        </p:blipFill>
-        <p:spPr>
-          <a:xfrm>
-            <a:off x="275590" y="471170"/>
-            <a:ext cx="11519535" cy="3183255"/>
-          </a:xfrm>
-          <a:prstGeom prst="rect">
-            <a:avLst/>
-          </a:prstGeom>
-        </p:spPr>
-      </p:pic>
-      <p:pic>
-        <p:nvPicPr>
-          <p:cNvPr id="9" name="Picture 8"/>
-          <p:cNvPicPr>
-            <a:picLocks noChangeAspect="1"/>
-          </p:cNvPicPr>
-          <p:nvPr/>
-        </p:nvPicPr>
-        <p:blipFill>
-          <a:blip r:embed="rId2"/>
-          <a:stretch>
-            <a:fillRect/>
-          </a:stretch>
-        </p:blipFill>
-        <p:spPr>
-          <a:xfrm>
-            <a:off x="584200" y="3654425"/>
-            <a:ext cx="5063490" cy="2722880"/>
-          </a:xfrm>
-          <a:prstGeom prst="rect">
-            <a:avLst/>
-          </a:prstGeom>
-        </p:spPr>
-      </p:pic>
-      <p:pic>
-        <p:nvPicPr>
-          <p:cNvPr id="11" name="Picture 10"/>
-          <p:cNvPicPr>
-            <a:picLocks noChangeAspect="1"/>
-          </p:cNvPicPr>
-          <p:nvPr/>
-        </p:nvPicPr>
-        <p:blipFill>
-          <a:blip r:embed="rId3"/>
-          <a:stretch>
-            <a:fillRect/>
-          </a:stretch>
-        </p:blipFill>
-        <p:spPr>
-          <a:xfrm>
-            <a:off x="6346825" y="4732655"/>
-            <a:ext cx="5297170" cy="1338580"/>
+          <a:srcRect l="4707" t="18477" r="4707" b="17320"/>
+          <a:stretch>
+            <a:fillRect/>
+          </a:stretch>
+        </p:blipFill>
+        <p:spPr>
+          <a:xfrm>
+            <a:off x="3505835" y="1028700"/>
+            <a:ext cx="8517890" cy="1445260"/>
           </a:xfrm>
           <a:prstGeom prst="rect">
             <a:avLst/>
@@ -3319,7 +4109,7 @@
           <a:p>
             <a:r>
               <a:rPr lang="en-US"/>
-              <a:t>Interval MAE for signal C</a:t>
+              <a:t>Interval MAE for signal A </a:t>
             </a:r>
             <a:endParaRPr lang="en-US"/>
           </a:p>
@@ -3327,7 +4117,7 @@
       </p:sp>
       <p:pic>
         <p:nvPicPr>
-          <p:cNvPr id="4" name="Content Placeholder 3"/>
+          <p:cNvPr id="6" name="Content Placeholder 5"/>
           <p:cNvPicPr>
             <a:picLocks noChangeAspect="1"/>
           </p:cNvPicPr>
@@ -3343,8 +4133,8 @@
         </p:blipFill>
         <p:spPr>
           <a:xfrm>
-            <a:off x="202565" y="1374140"/>
-            <a:ext cx="11989435" cy="3393440"/>
+            <a:off x="265430" y="1383030"/>
+            <a:ext cx="12102465" cy="3297555"/>
           </a:xfrm>
           <a:prstGeom prst="rect">
             <a:avLst/>
@@ -3360,1349 +4150,6 @@
 </file>
 
 <file path=ppt/slides/slide14.xml><?xml version="1.0" encoding="utf-8"?>
-<p:sld xmlns:a="http://schemas.openxmlformats.org/drawingml/2006/main" xmlns:r="http://schemas.openxmlformats.org/officeDocument/2006/relationships" xmlns:p="http://schemas.openxmlformats.org/presentationml/2006/main">
-  <p:cSld>
-    <p:spTree>
-      <p:nvGrpSpPr>
-        <p:cNvPr id="1" name=""/>
-        <p:cNvGrpSpPr/>
-        <p:nvPr/>
-      </p:nvGrpSpPr>
-      <p:grpSpPr/>
-      <p:sp>
-        <p:nvSpPr>
-          <p:cNvPr id="2" name="Title 1"/>
-          <p:cNvSpPr>
-            <a:spLocks noGrp="1"/>
-          </p:cNvSpPr>
-          <p:nvPr>
-            <p:ph type="title"/>
-          </p:nvPr>
-        </p:nvSpPr>
-        <p:spPr/>
-        <p:txBody>
-          <a:bodyPr/>
-          <a:p>
-            <a:r>
-              <a:rPr lang="en-US"/>
-              <a:t>Interval MAE for signal C</a:t>
-            </a:r>
-            <a:endParaRPr lang="en-US"/>
-          </a:p>
-        </p:txBody>
-      </p:sp>
-      <p:pic>
-        <p:nvPicPr>
-          <p:cNvPr id="4" name="Content Placeholder 3"/>
-          <p:cNvPicPr>
-            <a:picLocks noChangeAspect="1"/>
-          </p:cNvPicPr>
-          <p:nvPr>
-            <p:ph idx="1"/>
-          </p:nvPr>
-        </p:nvPicPr>
-        <p:blipFill>
-          <a:blip r:embed="rId1"/>
-          <a:stretch>
-            <a:fillRect/>
-          </a:stretch>
-        </p:blipFill>
-        <p:spPr>
-          <a:xfrm>
-            <a:off x="202565" y="1374140"/>
-            <a:ext cx="11989435" cy="3393440"/>
-          </a:xfrm>
-          <a:prstGeom prst="rect">
-            <a:avLst/>
-          </a:prstGeom>
-        </p:spPr>
-      </p:pic>
-      <p:pic>
-        <p:nvPicPr>
-          <p:cNvPr id="6" name="Content Placeholder 5"/>
-          <p:cNvPicPr>
-            <a:picLocks noChangeAspect="1"/>
-          </p:cNvPicPr>
-          <p:nvPr/>
-        </p:nvPicPr>
-        <p:blipFill>
-          <a:blip r:embed="rId2"/>
-          <a:stretch>
-            <a:fillRect/>
-          </a:stretch>
-        </p:blipFill>
-        <p:spPr>
-          <a:xfrm>
-            <a:off x="687070" y="487045"/>
-            <a:ext cx="5434330" cy="4280535"/>
-          </a:xfrm>
-          <a:prstGeom prst="rect">
-            <a:avLst/>
-          </a:prstGeom>
-        </p:spPr>
-      </p:pic>
-      <p:pic>
-        <p:nvPicPr>
-          <p:cNvPr id="7" name="Picture 6"/>
-          <p:cNvPicPr>
-            <a:picLocks noChangeAspect="1"/>
-          </p:cNvPicPr>
-          <p:nvPr/>
-        </p:nvPicPr>
-        <p:blipFill>
-          <a:blip r:embed="rId3"/>
-          <a:stretch>
-            <a:fillRect/>
-          </a:stretch>
-        </p:blipFill>
-        <p:spPr>
-          <a:xfrm>
-            <a:off x="687070" y="5158740"/>
-            <a:ext cx="5461635" cy="1376045"/>
-          </a:xfrm>
-          <a:prstGeom prst="rect">
-            <a:avLst/>
-          </a:prstGeom>
-        </p:spPr>
-      </p:pic>
-      <p:pic>
-        <p:nvPicPr>
-          <p:cNvPr id="8" name="Picture 7"/>
-          <p:cNvPicPr>
-            <a:picLocks noChangeAspect="1"/>
-          </p:cNvPicPr>
-          <p:nvPr/>
-        </p:nvPicPr>
-        <p:blipFill>
-          <a:blip r:embed="rId4"/>
-          <a:stretch>
-            <a:fillRect/>
-          </a:stretch>
-        </p:blipFill>
-        <p:spPr>
-          <a:xfrm>
-            <a:off x="6668135" y="5158740"/>
-            <a:ext cx="5101590" cy="1376045"/>
-          </a:xfrm>
-          <a:prstGeom prst="rect">
-            <a:avLst/>
-          </a:prstGeom>
-        </p:spPr>
-      </p:pic>
-      <p:pic>
-        <p:nvPicPr>
-          <p:cNvPr id="10" name="Picture 9"/>
-          <p:cNvPicPr>
-            <a:picLocks noChangeAspect="1"/>
-          </p:cNvPicPr>
-          <p:nvPr/>
-        </p:nvPicPr>
-        <p:blipFill>
-          <a:blip r:embed="rId5"/>
-          <a:stretch>
-            <a:fillRect/>
-          </a:stretch>
-        </p:blipFill>
-        <p:spPr>
-          <a:xfrm>
-            <a:off x="6668135" y="1017905"/>
-            <a:ext cx="4783455" cy="3927475"/>
-          </a:xfrm>
-          <a:prstGeom prst="rect">
-            <a:avLst/>
-          </a:prstGeom>
-        </p:spPr>
-      </p:pic>
-    </p:spTree>
-  </p:cSld>
-  <p:clrMapOvr>
-    <a:masterClrMapping/>
-  </p:clrMapOvr>
-</p:sld>
-</file>
-
-<file path=ppt/slides/slide15.xml><?xml version="1.0" encoding="utf-8"?>
-<p:sld xmlns:a="http://schemas.openxmlformats.org/drawingml/2006/main" xmlns:r="http://schemas.openxmlformats.org/officeDocument/2006/relationships" xmlns:p="http://schemas.openxmlformats.org/presentationml/2006/main">
-  <p:cSld>
-    <p:spTree>
-      <p:nvGrpSpPr>
-        <p:cNvPr id="1" name=""/>
-        <p:cNvGrpSpPr/>
-        <p:nvPr/>
-      </p:nvGrpSpPr>
-      <p:grpSpPr/>
-      <p:sp>
-        <p:nvSpPr>
-          <p:cNvPr id="2" name="Title 1"/>
-          <p:cNvSpPr>
-            <a:spLocks noGrp="1"/>
-          </p:cNvSpPr>
-          <p:nvPr>
-            <p:ph type="title"/>
-          </p:nvPr>
-        </p:nvSpPr>
-        <p:spPr/>
-        <p:txBody>
-          <a:bodyPr>
-            <a:normAutofit/>
-          </a:bodyPr>
-          <a:p>
-            <a:r>
-              <a:rPr lang="en-US">
-                <a:sym typeface="+mn-ea"/>
-              </a:rPr>
-              <a:t>Interval MAE for signal D</a:t>
-            </a:r>
-            <a:endParaRPr lang="en-US"/>
-          </a:p>
-        </p:txBody>
-      </p:sp>
-      <p:pic>
-        <p:nvPicPr>
-          <p:cNvPr id="8" name="Content Placeholder 7"/>
-          <p:cNvPicPr>
-            <a:picLocks noChangeAspect="1"/>
-          </p:cNvPicPr>
-          <p:nvPr>
-            <p:ph idx="1"/>
-          </p:nvPr>
-        </p:nvPicPr>
-        <p:blipFill>
-          <a:blip r:embed="rId1"/>
-          <a:stretch>
-            <a:fillRect/>
-          </a:stretch>
-        </p:blipFill>
-        <p:spPr>
-          <a:xfrm>
-            <a:off x="361315" y="1428115"/>
-            <a:ext cx="11146790" cy="3218180"/>
-          </a:xfrm>
-          <a:prstGeom prst="rect">
-            <a:avLst/>
-          </a:prstGeom>
-        </p:spPr>
-      </p:pic>
-    </p:spTree>
-  </p:cSld>
-  <p:clrMapOvr>
-    <a:masterClrMapping/>
-  </p:clrMapOvr>
-</p:sld>
-</file>
-
-<file path=ppt/slides/slide16.xml><?xml version="1.0" encoding="utf-8"?>
-<p:sld xmlns:a="http://schemas.openxmlformats.org/drawingml/2006/main" xmlns:r="http://schemas.openxmlformats.org/officeDocument/2006/relationships" xmlns:p="http://schemas.openxmlformats.org/presentationml/2006/main">
-  <p:cSld>
-    <p:spTree>
-      <p:nvGrpSpPr>
-        <p:cNvPr id="1" name=""/>
-        <p:cNvGrpSpPr/>
-        <p:nvPr/>
-      </p:nvGrpSpPr>
-      <p:grpSpPr/>
-      <p:sp>
-        <p:nvSpPr>
-          <p:cNvPr id="17" name="Title 16"/>
-          <p:cNvSpPr>
-            <a:spLocks noGrp="1"/>
-          </p:cNvSpPr>
-          <p:nvPr>
-            <p:ph type="title"/>
-          </p:nvPr>
-        </p:nvSpPr>
-        <p:spPr/>
-        <p:txBody>
-          <a:bodyPr/>
-          <a:p>
-            <a:endParaRPr lang="en-US"/>
-          </a:p>
-        </p:txBody>
-      </p:sp>
-      <p:pic>
-        <p:nvPicPr>
-          <p:cNvPr id="5" name="Picture 4"/>
-          <p:cNvPicPr>
-            <a:picLocks noChangeAspect="1"/>
-          </p:cNvPicPr>
-          <p:nvPr/>
-        </p:nvPicPr>
-        <p:blipFill>
-          <a:blip r:embed="rId1"/>
-          <a:stretch>
-            <a:fillRect/>
-          </a:stretch>
-        </p:blipFill>
-        <p:spPr>
-          <a:xfrm>
-            <a:off x="91440" y="2239010"/>
-            <a:ext cx="4083685" cy="2379345"/>
-          </a:xfrm>
-          <a:prstGeom prst="rect">
-            <a:avLst/>
-          </a:prstGeom>
-        </p:spPr>
-      </p:pic>
-      <p:pic>
-        <p:nvPicPr>
-          <p:cNvPr id="15" name="Content Placeholder 14"/>
-          <p:cNvPicPr>
-            <a:picLocks noChangeAspect="1"/>
-          </p:cNvPicPr>
-          <p:nvPr>
-            <p:ph sz="half" idx="1"/>
-          </p:nvPr>
-        </p:nvPicPr>
-        <p:blipFill>
-          <a:blip r:embed="rId2"/>
-          <a:stretch>
-            <a:fillRect/>
-          </a:stretch>
-        </p:blipFill>
-        <p:spPr>
-          <a:xfrm>
-            <a:off x="0" y="0"/>
-            <a:ext cx="5181600" cy="2284095"/>
-          </a:xfrm>
-          <a:prstGeom prst="rect">
-            <a:avLst/>
-          </a:prstGeom>
-        </p:spPr>
-      </p:pic>
-      <p:pic>
-        <p:nvPicPr>
-          <p:cNvPr id="16" name="Content Placeholder 15"/>
-          <p:cNvPicPr>
-            <a:picLocks noChangeAspect="1"/>
-          </p:cNvPicPr>
-          <p:nvPr>
-            <p:ph sz="half" idx="2"/>
-          </p:nvPr>
-        </p:nvPicPr>
-        <p:blipFill>
-          <a:blip r:embed="rId3"/>
-          <a:stretch>
-            <a:fillRect/>
-          </a:stretch>
-        </p:blipFill>
-        <p:spPr>
-          <a:xfrm>
-            <a:off x="7010400" y="0"/>
-            <a:ext cx="5181600" cy="2666365"/>
-          </a:xfrm>
-          <a:prstGeom prst="rect">
-            <a:avLst/>
-          </a:prstGeom>
-        </p:spPr>
-      </p:pic>
-      <p:pic>
-        <p:nvPicPr>
-          <p:cNvPr id="18" name="Picture 17"/>
-          <p:cNvPicPr>
-            <a:picLocks noChangeAspect="1"/>
-          </p:cNvPicPr>
-          <p:nvPr/>
-        </p:nvPicPr>
-        <p:blipFill>
-          <a:blip r:embed="rId4"/>
-          <a:stretch>
-            <a:fillRect/>
-          </a:stretch>
-        </p:blipFill>
-        <p:spPr>
-          <a:xfrm>
-            <a:off x="7847965" y="2776855"/>
-            <a:ext cx="4344035" cy="2658110"/>
-          </a:xfrm>
-          <a:prstGeom prst="rect">
-            <a:avLst/>
-          </a:prstGeom>
-        </p:spPr>
-      </p:pic>
-    </p:spTree>
-  </p:cSld>
-  <p:clrMapOvr>
-    <a:masterClrMapping/>
-  </p:clrMapOvr>
-</p:sld>
-</file>
-
-<file path=ppt/slides/slide17.xml><?xml version="1.0" encoding="utf-8"?>
-<p:sld xmlns:a="http://schemas.openxmlformats.org/drawingml/2006/main" xmlns:r="http://schemas.openxmlformats.org/officeDocument/2006/relationships" xmlns:p="http://schemas.openxmlformats.org/presentationml/2006/main">
-  <p:cSld>
-    <p:spTree>
-      <p:nvGrpSpPr>
-        <p:cNvPr id="1" name=""/>
-        <p:cNvGrpSpPr/>
-        <p:nvPr/>
-      </p:nvGrpSpPr>
-      <p:grpSpPr/>
-      <p:sp>
-        <p:nvSpPr>
-          <p:cNvPr id="17" name="Title 16"/>
-          <p:cNvSpPr>
-            <a:spLocks noGrp="1"/>
-          </p:cNvSpPr>
-          <p:nvPr>
-            <p:ph type="title"/>
-          </p:nvPr>
-        </p:nvSpPr>
-        <p:spPr/>
-        <p:txBody>
-          <a:bodyPr/>
-          <a:p>
-            <a:endParaRPr lang="en-US"/>
-          </a:p>
-        </p:txBody>
-      </p:sp>
-      <p:pic>
-        <p:nvPicPr>
-          <p:cNvPr id="5" name="Picture 4"/>
-          <p:cNvPicPr>
-            <a:picLocks noChangeAspect="1"/>
-          </p:cNvPicPr>
-          <p:nvPr/>
-        </p:nvPicPr>
-        <p:blipFill>
-          <a:blip r:embed="rId1"/>
-          <a:stretch>
-            <a:fillRect/>
-          </a:stretch>
-        </p:blipFill>
-        <p:spPr>
-          <a:xfrm>
-            <a:off x="91440" y="2239010"/>
-            <a:ext cx="4083685" cy="2379345"/>
-          </a:xfrm>
-          <a:prstGeom prst="rect">
-            <a:avLst/>
-          </a:prstGeom>
-        </p:spPr>
-      </p:pic>
-      <p:pic>
-        <p:nvPicPr>
-          <p:cNvPr id="15" name="Content Placeholder 14"/>
-          <p:cNvPicPr>
-            <a:picLocks noChangeAspect="1"/>
-          </p:cNvPicPr>
-          <p:nvPr>
-            <p:ph sz="half" idx="1"/>
-          </p:nvPr>
-        </p:nvPicPr>
-        <p:blipFill>
-          <a:blip r:embed="rId2"/>
-          <a:stretch>
-            <a:fillRect/>
-          </a:stretch>
-        </p:blipFill>
-        <p:spPr>
-          <a:xfrm>
-            <a:off x="0" y="0"/>
-            <a:ext cx="5181600" cy="2284095"/>
-          </a:xfrm>
-          <a:prstGeom prst="rect">
-            <a:avLst/>
-          </a:prstGeom>
-        </p:spPr>
-      </p:pic>
-      <p:pic>
-        <p:nvPicPr>
-          <p:cNvPr id="16" name="Content Placeholder 15"/>
-          <p:cNvPicPr>
-            <a:picLocks noChangeAspect="1"/>
-          </p:cNvPicPr>
-          <p:nvPr>
-            <p:ph sz="half" idx="2"/>
-          </p:nvPr>
-        </p:nvPicPr>
-        <p:blipFill>
-          <a:blip r:embed="rId3"/>
-          <a:stretch>
-            <a:fillRect/>
-          </a:stretch>
-        </p:blipFill>
-        <p:spPr>
-          <a:xfrm>
-            <a:off x="7010400" y="0"/>
-            <a:ext cx="5181600" cy="2666365"/>
-          </a:xfrm>
-          <a:prstGeom prst="rect">
-            <a:avLst/>
-          </a:prstGeom>
-        </p:spPr>
-      </p:pic>
-      <p:pic>
-        <p:nvPicPr>
-          <p:cNvPr id="18" name="Picture 17"/>
-          <p:cNvPicPr>
-            <a:picLocks noChangeAspect="1"/>
-          </p:cNvPicPr>
-          <p:nvPr/>
-        </p:nvPicPr>
-        <p:blipFill>
-          <a:blip r:embed="rId4"/>
-          <a:stretch>
-            <a:fillRect/>
-          </a:stretch>
-        </p:blipFill>
-        <p:spPr>
-          <a:xfrm>
-            <a:off x="7847965" y="2776855"/>
-            <a:ext cx="4344035" cy="2658110"/>
-          </a:xfrm>
-          <a:prstGeom prst="rect">
-            <a:avLst/>
-          </a:prstGeom>
-        </p:spPr>
-      </p:pic>
-      <p:pic>
-        <p:nvPicPr>
-          <p:cNvPr id="2" name="Picture 1"/>
-          <p:cNvPicPr>
-            <a:picLocks noChangeAspect="1"/>
-          </p:cNvPicPr>
-          <p:nvPr/>
-        </p:nvPicPr>
-        <p:blipFill>
-          <a:blip r:embed="rId5"/>
-          <a:stretch>
-            <a:fillRect/>
-          </a:stretch>
-        </p:blipFill>
-        <p:spPr>
-          <a:xfrm>
-            <a:off x="0" y="4074160"/>
-            <a:ext cx="4690110" cy="2651125"/>
-          </a:xfrm>
-          <a:prstGeom prst="rect">
-            <a:avLst/>
-          </a:prstGeom>
-        </p:spPr>
-      </p:pic>
-      <p:pic>
-        <p:nvPicPr>
-          <p:cNvPr id="3" name="Picture 2"/>
-          <p:cNvPicPr>
-            <a:picLocks noChangeAspect="1"/>
-          </p:cNvPicPr>
-          <p:nvPr/>
-        </p:nvPicPr>
-        <p:blipFill>
-          <a:blip r:embed="rId6"/>
-          <a:stretch>
-            <a:fillRect/>
-          </a:stretch>
-        </p:blipFill>
-        <p:spPr>
-          <a:xfrm>
-            <a:off x="0" y="243840"/>
-            <a:ext cx="5118735" cy="3830320"/>
-          </a:xfrm>
-          <a:prstGeom prst="rect">
-            <a:avLst/>
-          </a:prstGeom>
-        </p:spPr>
-      </p:pic>
-      <p:pic>
-        <p:nvPicPr>
-          <p:cNvPr id="4" name="Picture 3"/>
-          <p:cNvPicPr>
-            <a:picLocks noChangeAspect="1"/>
-          </p:cNvPicPr>
-          <p:nvPr/>
-        </p:nvPicPr>
-        <p:blipFill>
-          <a:blip r:embed="rId7"/>
-          <a:stretch>
-            <a:fillRect/>
-          </a:stretch>
-        </p:blipFill>
-        <p:spPr>
-          <a:xfrm>
-            <a:off x="5306695" y="581660"/>
-            <a:ext cx="6690360" cy="3154680"/>
-          </a:xfrm>
-          <a:prstGeom prst="rect">
-            <a:avLst/>
-          </a:prstGeom>
-        </p:spPr>
-      </p:pic>
-      <p:pic>
-        <p:nvPicPr>
-          <p:cNvPr id="6" name="Picture 5"/>
-          <p:cNvPicPr>
-            <a:picLocks noChangeAspect="1"/>
-          </p:cNvPicPr>
-          <p:nvPr/>
-        </p:nvPicPr>
-        <p:blipFill>
-          <a:blip r:embed="rId8"/>
-          <a:stretch>
-            <a:fillRect/>
-          </a:stretch>
-        </p:blipFill>
-        <p:spPr>
-          <a:xfrm>
-            <a:off x="5901690" y="3816985"/>
-            <a:ext cx="6095365" cy="2908300"/>
-          </a:xfrm>
-          <a:prstGeom prst="rect">
-            <a:avLst/>
-          </a:prstGeom>
-        </p:spPr>
-      </p:pic>
-    </p:spTree>
-  </p:cSld>
-  <p:clrMapOvr>
-    <a:masterClrMapping/>
-  </p:clrMapOvr>
-</p:sld>
-</file>
-
-<file path=ppt/slides/slide2.xml><?xml version="1.0" encoding="utf-8"?>
-<p:sld xmlns:a="http://schemas.openxmlformats.org/drawingml/2006/main" xmlns:r="http://schemas.openxmlformats.org/officeDocument/2006/relationships" xmlns:p="http://schemas.openxmlformats.org/presentationml/2006/main">
-  <p:cSld>
-    <p:spTree>
-      <p:nvGrpSpPr>
-        <p:cNvPr id="1" name=""/>
-        <p:cNvGrpSpPr/>
-        <p:nvPr/>
-      </p:nvGrpSpPr>
-      <p:grpSpPr/>
-      <p:sp>
-        <p:nvSpPr>
-          <p:cNvPr id="2" name="Title 1"/>
-          <p:cNvSpPr>
-            <a:spLocks noGrp="1"/>
-          </p:cNvSpPr>
-          <p:nvPr>
-            <p:ph type="title"/>
-          </p:nvPr>
-        </p:nvSpPr>
-        <p:spPr/>
-        <p:txBody>
-          <a:bodyPr/>
-          <a:p>
-            <a:r>
-              <a:rPr lang="en-US"/>
-              <a:t>Total MAE</a:t>
-            </a:r>
-            <a:endParaRPr lang="en-US"/>
-          </a:p>
-        </p:txBody>
-      </p:sp>
-      <p:graphicFrame>
-        <p:nvGraphicFramePr>
-          <p:cNvPr id="4" name="Content Placeholder 3"/>
-          <p:cNvGraphicFramePr/>
-          <p:nvPr>
-            <p:ph idx="1"/>
-          </p:nvPr>
-        </p:nvGraphicFramePr>
-        <p:xfrm>
-          <a:off x="596265" y="1691005"/>
-          <a:ext cx="10576560" cy="3884930"/>
-        </p:xfrm>
-        <a:graphic>
-          <a:graphicData uri="http://schemas.openxmlformats.org/drawingml/2006/table">
-            <a:tbl>
-              <a:tblPr firstRow="1" bandRow="1">
-                <a:tableStyleId>{5C22544A-7EE6-4342-B048-85BDC9FD1C3A}</a:tableStyleId>
-              </a:tblPr>
-              <a:tblGrid>
-                <a:gridCol w="1835150"/>
-                <a:gridCol w="1456690"/>
-                <a:gridCol w="1456690"/>
-                <a:gridCol w="1457325"/>
-                <a:gridCol w="1456690"/>
-                <a:gridCol w="1457325"/>
-                <a:gridCol w="1456690"/>
-              </a:tblGrid>
-              <a:tr h="982980">
-                <a:tc>
-                  <a:txBody>
-                    <a:bodyPr/>
-                    <a:p>
-                      <a:pPr>
-                        <a:buNone/>
-                      </a:pPr>
-                      <a:r>
-                        <a:rPr lang="en-US"/>
-                        <a:t>Sampling rate</a:t>
-                      </a:r>
-                      <a:endParaRPr lang="en-US"/>
-                    </a:p>
-                  </a:txBody>
-                  <a:tcPr/>
-                </a:tc>
-                <a:tc rowSpan="2">
-                  <a:txBody>
-                    <a:bodyPr/>
-                    <a:p>
-                      <a:pPr>
-                        <a:buNone/>
-                      </a:pPr>
-                      <a:r>
-                        <a:rPr lang="en-US"/>
-                        <a:t>480</a:t>
-                      </a:r>
-                      <a:endParaRPr lang="en-US"/>
-                    </a:p>
-                  </a:txBody>
-                  <a:tcPr/>
-                </a:tc>
-                <a:tc rowSpan="2">
-                  <a:txBody>
-                    <a:bodyPr/>
-                    <a:p>
-                      <a:pPr>
-                        <a:buNone/>
-                      </a:pPr>
-                      <a:r>
-                        <a:rPr lang="en-US"/>
-                        <a:t>240</a:t>
-                      </a:r>
-                      <a:endParaRPr lang="en-US"/>
-                    </a:p>
-                  </a:txBody>
-                  <a:tcPr/>
-                </a:tc>
-                <a:tc rowSpan="2">
-                  <a:txBody>
-                    <a:bodyPr/>
-                    <a:p>
-                      <a:pPr>
-                        <a:buNone/>
-                      </a:pPr>
-                      <a:r>
-                        <a:rPr lang="en-US"/>
-                        <a:t>120</a:t>
-                      </a:r>
-                      <a:endParaRPr lang="en-US"/>
-                    </a:p>
-                  </a:txBody>
-                  <a:tcPr/>
-                </a:tc>
-                <a:tc rowSpan="2">
-                  <a:txBody>
-                    <a:bodyPr/>
-                    <a:p>
-                      <a:pPr>
-                        <a:buNone/>
-                      </a:pPr>
-                      <a:r>
-                        <a:rPr lang="en-US"/>
-                        <a:t>60</a:t>
-                      </a:r>
-                      <a:endParaRPr lang="en-US"/>
-                    </a:p>
-                  </a:txBody>
-                  <a:tcPr/>
-                </a:tc>
-                <a:tc rowSpan="2">
-                  <a:txBody>
-                    <a:bodyPr/>
-                    <a:p>
-                      <a:pPr>
-                        <a:buNone/>
-                      </a:pPr>
-                      <a:r>
-                        <a:rPr lang="en-US"/>
-                        <a:t>30</a:t>
-                      </a:r>
-                      <a:endParaRPr lang="en-US"/>
-                    </a:p>
-                  </a:txBody>
-                  <a:tcPr/>
-                </a:tc>
-                <a:tc rowSpan="2">
-                  <a:txBody>
-                    <a:bodyPr/>
-                    <a:p>
-                      <a:pPr>
-                        <a:buNone/>
-                      </a:pPr>
-                      <a:r>
-                        <a:rPr lang="en-US"/>
-                        <a:t>15</a:t>
-                      </a:r>
-                      <a:endParaRPr lang="en-US"/>
-                    </a:p>
-                  </a:txBody>
-                  <a:tcPr/>
-                </a:tc>
-              </a:tr>
-              <a:tr h="561340">
-                <a:tc>
-                  <a:txBody>
-                    <a:bodyPr/>
-                    <a:p>
-                      <a:pPr>
-                        <a:buNone/>
-                      </a:pPr>
-                      <a:r>
-                        <a:rPr lang="en-US"/>
-                        <a:t>Signal</a:t>
-                      </a:r>
-                      <a:endParaRPr lang="en-US"/>
-                    </a:p>
-                  </a:txBody>
-                  <a:tcPr/>
-                </a:tc>
-                <a:tc vMerge="1">
-                  <a:tcPr/>
-                </a:tc>
-                <a:tc vMerge="1">
-                  <a:tcPr/>
-                </a:tc>
-                <a:tc vMerge="1">
-                  <a:tcPr/>
-                </a:tc>
-                <a:tc vMerge="1">
-                  <a:tcPr/>
-                </a:tc>
-                <a:tc vMerge="1">
-                  <a:tcPr/>
-                </a:tc>
-                <a:tc vMerge="1">
-                  <a:tcPr/>
-                </a:tc>
-              </a:tr>
-              <a:tr h="585470">
-                <a:tc>
-                  <a:txBody>
-                    <a:bodyPr/>
-                    <a:p>
-                      <a:pPr>
-                        <a:buNone/>
-                      </a:pPr>
-                      <a:r>
-                        <a:rPr lang="en-US"/>
-                        <a:t>A</a:t>
-                      </a:r>
-                      <a:endParaRPr lang="en-US"/>
-                    </a:p>
-                  </a:txBody>
-                  <a:tcPr/>
-                </a:tc>
-                <a:tc>
-                  <a:txBody>
-                    <a:bodyPr/>
-                    <a:p>
-                      <a:pPr>
-                        <a:buNone/>
-                      </a:pPr>
-                      <a:r>
-                        <a:rPr lang="en-US"/>
-                        <a:t>1.23e-05</a:t>
-                      </a:r>
-                      <a:endParaRPr lang="en-US"/>
-                    </a:p>
-                  </a:txBody>
-                  <a:tcPr/>
-                </a:tc>
-                <a:tc>
-                  <a:txBody>
-                    <a:bodyPr/>
-                    <a:p>
-                      <a:pPr>
-                        <a:buNone/>
-                      </a:pPr>
-                      <a:r>
-                        <a:rPr lang="en-US"/>
-                        <a:t>5.79e-05</a:t>
-                      </a:r>
-                      <a:endParaRPr lang="en-US"/>
-                    </a:p>
-                  </a:txBody>
-                  <a:tcPr/>
-                </a:tc>
-                <a:tc>
-                  <a:txBody>
-                    <a:bodyPr/>
-                    <a:p>
-                      <a:pPr>
-                        <a:buNone/>
-                      </a:pPr>
-                      <a:r>
-                        <a:rPr lang="en-US"/>
-                        <a:t>2.4e-04</a:t>
-                      </a:r>
-                      <a:endParaRPr lang="en-US"/>
-                    </a:p>
-                  </a:txBody>
-                  <a:tcPr/>
-                </a:tc>
-                <a:tc>
-                  <a:txBody>
-                    <a:bodyPr/>
-                    <a:p>
-                      <a:pPr>
-                        <a:buNone/>
-                      </a:pPr>
-                      <a:r>
-                        <a:rPr lang="en-US"/>
-                        <a:t>9.4e-04</a:t>
-                      </a:r>
-                      <a:endParaRPr lang="en-US"/>
-                    </a:p>
-                  </a:txBody>
-                  <a:tcPr/>
-                </a:tc>
-                <a:tc>
-                  <a:txBody>
-                    <a:bodyPr/>
-                    <a:p>
-                      <a:pPr>
-                        <a:buNone/>
-                      </a:pPr>
-                      <a:r>
-                        <a:rPr lang="en-US"/>
-                        <a:t>0.00413</a:t>
-                      </a:r>
-                      <a:endParaRPr lang="en-US"/>
-                    </a:p>
-                  </a:txBody>
-                  <a:tcPr/>
-                </a:tc>
-                <a:tc>
-                  <a:txBody>
-                    <a:bodyPr/>
-                    <a:p>
-                      <a:pPr>
-                        <a:buNone/>
-                      </a:pPr>
-                      <a:r>
-                        <a:rPr lang="en-US"/>
-                        <a:t>0.01833</a:t>
-                      </a:r>
-                      <a:endParaRPr lang="en-US"/>
-                    </a:p>
-                  </a:txBody>
-                  <a:tcPr/>
-                </a:tc>
-              </a:tr>
-              <a:tr h="584835">
-                <a:tc>
-                  <a:txBody>
-                    <a:bodyPr/>
-                    <a:p>
-                      <a:pPr>
-                        <a:buNone/>
-                      </a:pPr>
-                      <a:r>
-                        <a:rPr lang="en-US"/>
-                        <a:t>B</a:t>
-                      </a:r>
-                      <a:endParaRPr lang="en-US"/>
-                    </a:p>
-                  </a:txBody>
-                  <a:tcPr/>
-                </a:tc>
-                <a:tc>
-                  <a:txBody>
-                    <a:bodyPr/>
-                    <a:p>
-                      <a:pPr>
-                        <a:buNone/>
-                      </a:pPr>
-                      <a:r>
-                        <a:rPr lang="en-US"/>
-                        <a:t>0.00327</a:t>
-                      </a:r>
-                      <a:endParaRPr lang="en-US"/>
-                    </a:p>
-                  </a:txBody>
-                  <a:tcPr/>
-                </a:tc>
-                <a:tc>
-                  <a:txBody>
-                    <a:bodyPr/>
-                    <a:p>
-                      <a:pPr>
-                        <a:buNone/>
-                      </a:pPr>
-                      <a:r>
-                        <a:rPr lang="en-US"/>
-                        <a:t>0.01626</a:t>
-                      </a:r>
-                      <a:endParaRPr lang="en-US"/>
-                    </a:p>
-                  </a:txBody>
-                  <a:tcPr/>
-                </a:tc>
-                <a:tc>
-                  <a:txBody>
-                    <a:bodyPr/>
-                    <a:p>
-                      <a:pPr>
-                        <a:buNone/>
-                      </a:pPr>
-                      <a:r>
-                        <a:rPr lang="en-US"/>
-                        <a:t>0.06290</a:t>
-                      </a:r>
-                      <a:endParaRPr lang="en-US"/>
-                    </a:p>
-                  </a:txBody>
-                  <a:tcPr/>
-                </a:tc>
-                <a:tc>
-                  <a:txBody>
-                    <a:bodyPr/>
-                    <a:p>
-                      <a:pPr>
-                        <a:buNone/>
-                      </a:pPr>
-                      <a:r>
-                        <a:rPr lang="en-US"/>
-                        <a:t>0.20351</a:t>
-                      </a:r>
-                      <a:endParaRPr lang="en-US"/>
-                    </a:p>
-                  </a:txBody>
-                  <a:tcPr/>
-                </a:tc>
-                <a:tc>
-                  <a:txBody>
-                    <a:bodyPr/>
-                    <a:p>
-                      <a:pPr>
-                        <a:buNone/>
-                      </a:pPr>
-                      <a:r>
-                        <a:rPr lang="en-US"/>
-                        <a:t>0.29909</a:t>
-                      </a:r>
-                      <a:endParaRPr lang="en-US"/>
-                    </a:p>
-                  </a:txBody>
-                  <a:tcPr/>
-                </a:tc>
-                <a:tc>
-                  <a:txBody>
-                    <a:bodyPr/>
-                    <a:p>
-                      <a:pPr>
-                        <a:buNone/>
-                      </a:pPr>
-                      <a:r>
-                        <a:rPr lang="en-US"/>
-                        <a:t>0.35274</a:t>
-                      </a:r>
-                      <a:endParaRPr lang="en-US"/>
-                    </a:p>
-                  </a:txBody>
-                  <a:tcPr/>
-                </a:tc>
-              </a:tr>
-              <a:tr h="585470">
-                <a:tc>
-                  <a:txBody>
-                    <a:bodyPr/>
-                    <a:p>
-                      <a:pPr>
-                        <a:buNone/>
-                      </a:pPr>
-                      <a:r>
-                        <a:rPr lang="en-US"/>
-                        <a:t>C</a:t>
-                      </a:r>
-                      <a:endParaRPr lang="en-US"/>
-                    </a:p>
-                  </a:txBody>
-                  <a:tcPr/>
-                </a:tc>
-                <a:tc>
-                  <a:txBody>
-                    <a:bodyPr/>
-                    <a:p>
-                      <a:pPr>
-                        <a:buNone/>
-                      </a:pPr>
-                      <a:r>
-                        <a:rPr lang="en-US"/>
-                        <a:t>4.30e-05</a:t>
-                      </a:r>
-                      <a:endParaRPr lang="en-US"/>
-                    </a:p>
-                  </a:txBody>
-                  <a:tcPr/>
-                </a:tc>
-                <a:tc>
-                  <a:txBody>
-                    <a:bodyPr/>
-                    <a:p>
-                      <a:pPr>
-                        <a:buNone/>
-                      </a:pPr>
-                      <a:r>
-                        <a:rPr lang="en-US"/>
-                        <a:t>2.09e-04</a:t>
-                      </a:r>
-                      <a:endParaRPr lang="en-US"/>
-                    </a:p>
-                  </a:txBody>
-                  <a:tcPr/>
-                </a:tc>
-                <a:tc>
-                  <a:txBody>
-                    <a:bodyPr/>
-                    <a:p>
-                      <a:pPr>
-                        <a:buNone/>
-                      </a:pPr>
-                      <a:r>
-                        <a:rPr lang="en-US"/>
-                        <a:t>8.70e-04</a:t>
-                      </a:r>
-                      <a:endParaRPr lang="en-US"/>
-                    </a:p>
-                  </a:txBody>
-                  <a:tcPr/>
-                </a:tc>
-                <a:tc>
-                  <a:txBody>
-                    <a:bodyPr/>
-                    <a:p>
-                      <a:pPr>
-                        <a:buNone/>
-                      </a:pPr>
-                      <a:r>
-                        <a:rPr lang="en-US"/>
-                        <a:t>0.00337</a:t>
-                      </a:r>
-                      <a:endParaRPr lang="en-US"/>
-                    </a:p>
-                  </a:txBody>
-                  <a:tcPr/>
-                </a:tc>
-                <a:tc>
-                  <a:txBody>
-                    <a:bodyPr/>
-                    <a:p>
-                      <a:pPr>
-                        <a:buNone/>
-                      </a:pPr>
-                      <a:r>
-                        <a:rPr lang="en-US"/>
-                        <a:t>0.01543</a:t>
-                      </a:r>
-                      <a:endParaRPr lang="en-US"/>
-                    </a:p>
-                  </a:txBody>
-                  <a:tcPr/>
-                </a:tc>
-                <a:tc>
-                  <a:txBody>
-                    <a:bodyPr/>
-                    <a:p>
-                      <a:pPr>
-                        <a:buNone/>
-                      </a:pPr>
-                      <a:r>
-                        <a:rPr lang="en-US"/>
-                        <a:t>0.03342</a:t>
-                      </a:r>
-                      <a:endParaRPr lang="en-US"/>
-                    </a:p>
-                  </a:txBody>
-                  <a:tcPr/>
-                </a:tc>
-              </a:tr>
-              <a:tr h="584835">
-                <a:tc>
-                  <a:txBody>
-                    <a:bodyPr/>
-                    <a:p>
-                      <a:pPr>
-                        <a:buNone/>
-                      </a:pPr>
-                      <a:r>
-                        <a:rPr lang="en-US"/>
-                        <a:t>D</a:t>
-                      </a:r>
-                      <a:endParaRPr lang="en-US"/>
-                    </a:p>
-                  </a:txBody>
-                  <a:tcPr/>
-                </a:tc>
-                <a:tc>
-                  <a:txBody>
-                    <a:bodyPr/>
-                    <a:p>
-                      <a:pPr>
-                        <a:buNone/>
-                      </a:pPr>
-                      <a:r>
-                        <a:rPr lang="en-US"/>
-                        <a:t>0</a:t>
-                      </a:r>
-                      <a:endParaRPr lang="en-US"/>
-                    </a:p>
-                  </a:txBody>
-                  <a:tcPr/>
-                </a:tc>
-                <a:tc>
-                  <a:txBody>
-                    <a:bodyPr/>
-                    <a:p>
-                      <a:pPr>
-                        <a:buNone/>
-                      </a:pPr>
-                      <a:r>
-                        <a:rPr lang="en-US"/>
-                        <a:t>0</a:t>
-                      </a:r>
-                      <a:endParaRPr lang="en-US"/>
-                    </a:p>
-                  </a:txBody>
-                  <a:tcPr/>
-                </a:tc>
-                <a:tc>
-                  <a:txBody>
-                    <a:bodyPr/>
-                    <a:p>
-                      <a:pPr>
-                        <a:buNone/>
-                      </a:pPr>
-                      <a:r>
-                        <a:rPr lang="en-US"/>
-                        <a:t>0.00147</a:t>
-                      </a:r>
-                      <a:endParaRPr lang="en-US"/>
-                    </a:p>
-                  </a:txBody>
-                  <a:tcPr/>
-                </a:tc>
-                <a:tc>
-                  <a:txBody>
-                    <a:bodyPr/>
-                    <a:p>
-                      <a:pPr>
-                        <a:buNone/>
-                      </a:pPr>
-                      <a:r>
-                        <a:rPr lang="en-US"/>
-                        <a:t>0.00658</a:t>
-                      </a:r>
-                      <a:endParaRPr lang="en-US"/>
-                    </a:p>
-                  </a:txBody>
-                  <a:tcPr/>
-                </a:tc>
-                <a:tc>
-                  <a:txBody>
-                    <a:bodyPr/>
-                    <a:p>
-                      <a:pPr>
-                        <a:buNone/>
-                      </a:pPr>
-                      <a:r>
-                        <a:rPr lang="en-US"/>
-                        <a:t>0.02024</a:t>
-                      </a:r>
-                      <a:endParaRPr lang="en-US"/>
-                    </a:p>
-                  </a:txBody>
-                  <a:tcPr/>
-                </a:tc>
-                <a:tc>
-                  <a:txBody>
-                    <a:bodyPr/>
-                    <a:p>
-                      <a:pPr>
-                        <a:buNone/>
-                      </a:pPr>
-                      <a:r>
-                        <a:rPr lang="en-US"/>
-                        <a:t>0.04697</a:t>
-                      </a:r>
-                      <a:endParaRPr lang="en-US"/>
-                    </a:p>
-                  </a:txBody>
-                  <a:tcPr/>
-                </a:tc>
-              </a:tr>
-            </a:tbl>
-          </a:graphicData>
-        </a:graphic>
-      </p:graphicFrame>
-    </p:spTree>
-  </p:cSld>
-  <p:clrMapOvr>
-    <a:masterClrMapping/>
-  </p:clrMapOvr>
-</p:sld>
-</file>
-
-<file path=ppt/slides/slide3.xml><?xml version="1.0" encoding="utf-8"?>
-<p:sld xmlns:a="http://schemas.openxmlformats.org/drawingml/2006/main" xmlns:r="http://schemas.openxmlformats.org/officeDocument/2006/relationships" xmlns:p="http://schemas.openxmlformats.org/presentationml/2006/main">
-  <p:cSld>
-    <p:spTree>
-      <p:nvGrpSpPr>
-        <p:cNvPr id="1" name=""/>
-        <p:cNvGrpSpPr/>
-        <p:nvPr/>
-      </p:nvGrpSpPr>
-      <p:grpSpPr/>
-      <p:sp>
-        <p:nvSpPr>
-          <p:cNvPr id="2" name="Title 1"/>
-          <p:cNvSpPr>
-            <a:spLocks noGrp="1"/>
-          </p:cNvSpPr>
-          <p:nvPr>
-            <p:ph type="title"/>
-          </p:nvPr>
-        </p:nvSpPr>
-        <p:spPr/>
-        <p:txBody>
-          <a:bodyPr/>
-          <a:p>
-            <a:r>
-              <a:rPr lang="en-US"/>
-              <a:t>Interval MAE for signal A </a:t>
-            </a:r>
-            <a:endParaRPr lang="en-US"/>
-          </a:p>
-        </p:txBody>
-      </p:sp>
-      <p:pic>
-        <p:nvPicPr>
-          <p:cNvPr id="6" name="Content Placeholder 5"/>
-          <p:cNvPicPr>
-            <a:picLocks noChangeAspect="1"/>
-          </p:cNvPicPr>
-          <p:nvPr>
-            <p:ph idx="1"/>
-          </p:nvPr>
-        </p:nvPicPr>
-        <p:blipFill>
-          <a:blip r:embed="rId1"/>
-          <a:stretch>
-            <a:fillRect/>
-          </a:stretch>
-        </p:blipFill>
-        <p:spPr>
-          <a:xfrm>
-            <a:off x="265430" y="1383030"/>
-            <a:ext cx="12102465" cy="3297555"/>
-          </a:xfrm>
-          <a:prstGeom prst="rect">
-            <a:avLst/>
-          </a:prstGeom>
-        </p:spPr>
-      </p:pic>
-    </p:spTree>
-  </p:cSld>
-  <p:clrMapOvr>
-    <a:masterClrMapping/>
-  </p:clrMapOvr>
-</p:sld>
-</file>
-
-<file path=ppt/slides/slide4.xml><?xml version="1.0" encoding="utf-8"?>
 <p:sld xmlns:a="http://schemas.openxmlformats.org/drawingml/2006/main" xmlns:r="http://schemas.openxmlformats.org/officeDocument/2006/relationships" xmlns:p="http://schemas.openxmlformats.org/presentationml/2006/main">
   <p:cSld>
     <p:spTree>
@@ -4846,7 +4293,7 @@
 </p:sld>
 </file>
 
-<file path=ppt/slides/slide5.xml><?xml version="1.0" encoding="utf-8"?>
+<file path=ppt/slides/slide15.xml><?xml version="1.0" encoding="utf-8"?>
 <p:sld xmlns:a="http://schemas.openxmlformats.org/drawingml/2006/main" xmlns:r="http://schemas.openxmlformats.org/officeDocument/2006/relationships" xmlns:p="http://schemas.openxmlformats.org/presentationml/2006/main">
   <p:cSld>
     <p:spTree>
@@ -5014,7 +4461,7 @@
 </p:sld>
 </file>
 
-<file path=ppt/slides/slide6.xml><?xml version="1.0" encoding="utf-8"?>
+<file path=ppt/slides/slide16.xml><?xml version="1.0" encoding="utf-8"?>
 <p:sld xmlns:a="http://schemas.openxmlformats.org/drawingml/2006/main" xmlns:r="http://schemas.openxmlformats.org/officeDocument/2006/relationships" xmlns:p="http://schemas.openxmlformats.org/presentationml/2006/main">
   <p:cSld>
     <p:spTree>
@@ -5100,7 +4547,7 @@
 </p:sld>
 </file>
 
-<file path=ppt/slides/slide7.xml><?xml version="1.0" encoding="utf-8"?>
+<file path=ppt/slides/slide17.xml><?xml version="1.0" encoding="utf-8"?>
 <p:sld xmlns:a="http://schemas.openxmlformats.org/drawingml/2006/main" xmlns:r="http://schemas.openxmlformats.org/officeDocument/2006/relationships" xmlns:p="http://schemas.openxmlformats.org/presentationml/2006/main">
   <p:cSld>
     <p:spTree>
@@ -5210,7 +4657,7 @@
 </p:sld>
 </file>
 
-<file path=ppt/slides/slide8.xml><?xml version="1.0" encoding="utf-8"?>
+<file path=ppt/slides/slide18.xml><?xml version="1.0" encoding="utf-8"?>
 <p:sld xmlns:a="http://schemas.openxmlformats.org/drawingml/2006/main" xmlns:r="http://schemas.openxmlformats.org/officeDocument/2006/relationships" xmlns:p="http://schemas.openxmlformats.org/presentationml/2006/main">
   <p:cSld>
     <p:spTree>
@@ -5294,7 +4741,7 @@
 </p:sld>
 </file>
 
-<file path=ppt/slides/slide9.xml><?xml version="1.0" encoding="utf-8"?>
+<file path=ppt/slides/slide19.xml><?xml version="1.0" encoding="utf-8"?>
 <p:sld xmlns:a="http://schemas.openxmlformats.org/drawingml/2006/main" xmlns:r="http://schemas.openxmlformats.org/officeDocument/2006/relationships" xmlns:p="http://schemas.openxmlformats.org/presentationml/2006/main">
   <p:cSld>
     <p:spTree>
@@ -6013,6 +5460,2252 @@
           </a:p>
         </p:txBody>
       </p:sp>
+    </p:spTree>
+  </p:cSld>
+  <p:clrMapOvr>
+    <a:masterClrMapping/>
+  </p:clrMapOvr>
+</p:sld>
+</file>
+
+<file path=ppt/slides/slide2.xml><?xml version="1.0" encoding="utf-8"?>
+<p:sld xmlns:a="http://schemas.openxmlformats.org/drawingml/2006/main" xmlns:r="http://schemas.openxmlformats.org/officeDocument/2006/relationships" xmlns:p="http://schemas.openxmlformats.org/presentationml/2006/main">
+  <p:cSld>
+    <p:spTree>
+      <p:nvGrpSpPr>
+        <p:cNvPr id="1" name=""/>
+        <p:cNvGrpSpPr/>
+        <p:nvPr/>
+      </p:nvGrpSpPr>
+      <p:grpSpPr/>
+      <p:sp>
+        <p:nvSpPr>
+          <p:cNvPr id="2" name="Title 1"/>
+          <p:cNvSpPr>
+            <a:spLocks noGrp="1"/>
+          </p:cNvSpPr>
+          <p:nvPr>
+            <p:ph type="title"/>
+          </p:nvPr>
+        </p:nvSpPr>
+        <p:spPr/>
+        <p:txBody>
+          <a:bodyPr/>
+          <a:p>
+            <a:r>
+              <a:rPr lang="en-US"/>
+              <a:t>Sampling define</a:t>
+            </a:r>
+            <a:endParaRPr lang="en-US"/>
+          </a:p>
+        </p:txBody>
+      </p:sp>
+      <p:pic>
+        <p:nvPicPr>
+          <p:cNvPr id="4" name="Content Placeholder 3"/>
+          <p:cNvPicPr>
+            <a:picLocks noChangeAspect="1"/>
+          </p:cNvPicPr>
+          <p:nvPr>
+            <p:ph idx="1"/>
+          </p:nvPr>
+        </p:nvPicPr>
+        <p:blipFill>
+          <a:blip r:embed="rId1"/>
+          <a:stretch>
+            <a:fillRect/>
+          </a:stretch>
+        </p:blipFill>
+        <p:spPr>
+          <a:xfrm>
+            <a:off x="1040765" y="2167890"/>
+            <a:ext cx="10515600" cy="3572510"/>
+          </a:xfrm>
+          <a:prstGeom prst="rect">
+            <a:avLst/>
+          </a:prstGeom>
+        </p:spPr>
+      </p:pic>
+    </p:spTree>
+  </p:cSld>
+  <p:clrMapOvr>
+    <a:masterClrMapping/>
+  </p:clrMapOvr>
+</p:sld>
+</file>
+
+<file path=ppt/slides/slide20.xml><?xml version="1.0" encoding="utf-8"?>
+<p:sld xmlns:a="http://schemas.openxmlformats.org/drawingml/2006/main" xmlns:r="http://schemas.openxmlformats.org/officeDocument/2006/relationships" xmlns:p="http://schemas.openxmlformats.org/presentationml/2006/main">
+  <p:cSld>
+    <p:spTree>
+      <p:nvGrpSpPr>
+        <p:cNvPr id="1" name=""/>
+        <p:cNvGrpSpPr/>
+        <p:nvPr/>
+      </p:nvGrpSpPr>
+      <p:grpSpPr/>
+      <p:sp>
+        <p:nvSpPr>
+          <p:cNvPr id="2" name="Title 1"/>
+          <p:cNvSpPr>
+            <a:spLocks noGrp="1"/>
+          </p:cNvSpPr>
+          <p:nvPr>
+            <p:ph type="title"/>
+          </p:nvPr>
+        </p:nvSpPr>
+        <p:spPr/>
+        <p:txBody>
+          <a:bodyPr/>
+          <a:p>
+            <a:endParaRPr lang="en-US"/>
+          </a:p>
+        </p:txBody>
+      </p:sp>
+      <p:pic>
+        <p:nvPicPr>
+          <p:cNvPr id="6" name="Content Placeholder 5"/>
+          <p:cNvPicPr>
+            <a:picLocks noChangeAspect="1"/>
+          </p:cNvPicPr>
+          <p:nvPr>
+            <p:ph idx="1"/>
+          </p:nvPr>
+        </p:nvPicPr>
+        <p:blipFill>
+          <a:blip r:embed="rId1"/>
+          <a:stretch>
+            <a:fillRect/>
+          </a:stretch>
+        </p:blipFill>
+        <p:spPr>
+          <a:xfrm>
+            <a:off x="859155" y="365125"/>
+            <a:ext cx="10005060" cy="3345180"/>
+          </a:xfrm>
+          <a:prstGeom prst="rect">
+            <a:avLst/>
+          </a:prstGeom>
+        </p:spPr>
+      </p:pic>
+      <p:pic>
+        <p:nvPicPr>
+          <p:cNvPr id="7" name="Picture 6"/>
+          <p:cNvPicPr>
+            <a:picLocks noChangeAspect="1"/>
+          </p:cNvPicPr>
+          <p:nvPr/>
+        </p:nvPicPr>
+        <p:blipFill>
+          <a:blip r:embed="rId2"/>
+          <a:stretch>
+            <a:fillRect/>
+          </a:stretch>
+        </p:blipFill>
+        <p:spPr>
+          <a:xfrm>
+            <a:off x="859155" y="3710305"/>
+            <a:ext cx="9419590" cy="3099435"/>
+          </a:xfrm>
+          <a:prstGeom prst="rect">
+            <a:avLst/>
+          </a:prstGeom>
+        </p:spPr>
+      </p:pic>
+    </p:spTree>
+  </p:cSld>
+  <p:clrMapOvr>
+    <a:masterClrMapping/>
+  </p:clrMapOvr>
+</p:sld>
+</file>
+
+<file path=ppt/slides/slide21.xml><?xml version="1.0" encoding="utf-8"?>
+<p:sld xmlns:a="http://schemas.openxmlformats.org/drawingml/2006/main" xmlns:r="http://schemas.openxmlformats.org/officeDocument/2006/relationships" xmlns:p="http://schemas.openxmlformats.org/presentationml/2006/main">
+  <p:cSld>
+    <p:spTree>
+      <p:nvGrpSpPr>
+        <p:cNvPr id="1" name=""/>
+        <p:cNvGrpSpPr/>
+        <p:nvPr/>
+      </p:nvGrpSpPr>
+      <p:grpSpPr/>
+      <p:sp>
+        <p:nvSpPr>
+          <p:cNvPr id="2" name="Title 1"/>
+          <p:cNvSpPr>
+            <a:spLocks noGrp="1"/>
+          </p:cNvSpPr>
+          <p:nvPr>
+            <p:ph type="title"/>
+          </p:nvPr>
+        </p:nvSpPr>
+        <p:spPr/>
+        <p:txBody>
+          <a:bodyPr/>
+          <a:p>
+            <a:endParaRPr lang="en-US"/>
+          </a:p>
+        </p:txBody>
+      </p:sp>
+      <p:pic>
+        <p:nvPicPr>
+          <p:cNvPr id="6" name="Content Placeholder 5"/>
+          <p:cNvPicPr>
+            <a:picLocks noChangeAspect="1"/>
+          </p:cNvPicPr>
+          <p:nvPr>
+            <p:ph idx="1"/>
+          </p:nvPr>
+        </p:nvPicPr>
+        <p:blipFill>
+          <a:blip r:embed="rId1"/>
+          <a:stretch>
+            <a:fillRect/>
+          </a:stretch>
+        </p:blipFill>
+        <p:spPr>
+          <a:xfrm>
+            <a:off x="859155" y="365125"/>
+            <a:ext cx="10005060" cy="3345180"/>
+          </a:xfrm>
+          <a:prstGeom prst="rect">
+            <a:avLst/>
+          </a:prstGeom>
+        </p:spPr>
+      </p:pic>
+      <p:pic>
+        <p:nvPicPr>
+          <p:cNvPr id="7" name="Picture 6"/>
+          <p:cNvPicPr>
+            <a:picLocks noChangeAspect="1"/>
+          </p:cNvPicPr>
+          <p:nvPr/>
+        </p:nvPicPr>
+        <p:blipFill>
+          <a:blip r:embed="rId2"/>
+          <a:stretch>
+            <a:fillRect/>
+          </a:stretch>
+        </p:blipFill>
+        <p:spPr>
+          <a:xfrm>
+            <a:off x="859155" y="3710305"/>
+            <a:ext cx="9419590" cy="3099435"/>
+          </a:xfrm>
+          <a:prstGeom prst="rect">
+            <a:avLst/>
+          </a:prstGeom>
+        </p:spPr>
+      </p:pic>
+      <p:pic>
+        <p:nvPicPr>
+          <p:cNvPr id="3" name="Picture 2"/>
+          <p:cNvPicPr>
+            <a:picLocks noChangeAspect="1"/>
+          </p:cNvPicPr>
+          <p:nvPr/>
+        </p:nvPicPr>
+        <p:blipFill>
+          <a:blip r:embed="rId3"/>
+          <a:stretch>
+            <a:fillRect/>
+          </a:stretch>
+        </p:blipFill>
+        <p:spPr>
+          <a:xfrm>
+            <a:off x="60960" y="1500505"/>
+            <a:ext cx="3764280" cy="2209800"/>
+          </a:xfrm>
+          <a:prstGeom prst="rect">
+            <a:avLst/>
+          </a:prstGeom>
+        </p:spPr>
+      </p:pic>
+    </p:spTree>
+  </p:cSld>
+  <p:clrMapOvr>
+    <a:masterClrMapping/>
+  </p:clrMapOvr>
+</p:sld>
+</file>
+
+<file path=ppt/slides/slide22.xml><?xml version="1.0" encoding="utf-8"?>
+<p:sld xmlns:a="http://schemas.openxmlformats.org/drawingml/2006/main" xmlns:r="http://schemas.openxmlformats.org/officeDocument/2006/relationships" xmlns:p="http://schemas.openxmlformats.org/presentationml/2006/main">
+  <p:cSld>
+    <p:spTree>
+      <p:nvGrpSpPr>
+        <p:cNvPr id="1" name=""/>
+        <p:cNvGrpSpPr/>
+        <p:nvPr/>
+      </p:nvGrpSpPr>
+      <p:grpSpPr/>
+      <p:sp>
+        <p:nvSpPr>
+          <p:cNvPr id="2" name="Title 1"/>
+          <p:cNvSpPr>
+            <a:spLocks noGrp="1"/>
+          </p:cNvSpPr>
+          <p:nvPr>
+            <p:ph type="title"/>
+          </p:nvPr>
+        </p:nvSpPr>
+        <p:spPr/>
+        <p:txBody>
+          <a:bodyPr/>
+          <a:p>
+            <a:endParaRPr lang="en-US"/>
+          </a:p>
+        </p:txBody>
+      </p:sp>
+      <p:pic>
+        <p:nvPicPr>
+          <p:cNvPr id="4" name="Content Placeholder 3"/>
+          <p:cNvPicPr>
+            <a:picLocks noChangeAspect="1"/>
+          </p:cNvPicPr>
+          <p:nvPr>
+            <p:ph idx="1"/>
+          </p:nvPr>
+        </p:nvPicPr>
+        <p:blipFill>
+          <a:blip r:embed="rId1"/>
+          <a:stretch>
+            <a:fillRect/>
+          </a:stretch>
+        </p:blipFill>
+        <p:spPr>
+          <a:xfrm>
+            <a:off x="584200" y="126365"/>
+            <a:ext cx="10157460" cy="3429000"/>
+          </a:xfrm>
+          <a:prstGeom prst="rect">
+            <a:avLst/>
+          </a:prstGeom>
+        </p:spPr>
+      </p:pic>
+      <p:pic>
+        <p:nvPicPr>
+          <p:cNvPr id="5" name="Picture 4"/>
+          <p:cNvPicPr>
+            <a:picLocks noChangeAspect="1"/>
+          </p:cNvPicPr>
+          <p:nvPr/>
+        </p:nvPicPr>
+        <p:blipFill>
+          <a:blip r:embed="rId2"/>
+          <a:stretch>
+            <a:fillRect/>
+          </a:stretch>
+        </p:blipFill>
+        <p:spPr>
+          <a:xfrm>
+            <a:off x="3206115" y="3684270"/>
+            <a:ext cx="5150485" cy="2780030"/>
+          </a:xfrm>
+          <a:prstGeom prst="rect">
+            <a:avLst/>
+          </a:prstGeom>
+        </p:spPr>
+      </p:pic>
+    </p:spTree>
+  </p:cSld>
+  <p:clrMapOvr>
+    <a:masterClrMapping/>
+  </p:clrMapOvr>
+</p:sld>
+</file>
+
+<file path=ppt/slides/slide23.xml><?xml version="1.0" encoding="utf-8"?>
+<p:sld xmlns:a="http://schemas.openxmlformats.org/drawingml/2006/main" xmlns:r="http://schemas.openxmlformats.org/officeDocument/2006/relationships" xmlns:p="http://schemas.openxmlformats.org/presentationml/2006/main">
+  <p:cSld>
+    <p:spTree>
+      <p:nvGrpSpPr>
+        <p:cNvPr id="1" name=""/>
+        <p:cNvGrpSpPr/>
+        <p:nvPr/>
+      </p:nvGrpSpPr>
+      <p:grpSpPr/>
+      <p:sp>
+        <p:nvSpPr>
+          <p:cNvPr id="2" name="Title 1"/>
+          <p:cNvSpPr>
+            <a:spLocks noGrp="1"/>
+          </p:cNvSpPr>
+          <p:nvPr>
+            <p:ph type="title"/>
+          </p:nvPr>
+        </p:nvSpPr>
+        <p:spPr/>
+        <p:txBody>
+          <a:bodyPr/>
+          <a:p>
+            <a:r>
+              <a:rPr lang="en-US"/>
+              <a:t>Interval MAE for signal C</a:t>
+            </a:r>
+            <a:endParaRPr lang="en-US"/>
+          </a:p>
+        </p:txBody>
+      </p:sp>
+      <p:pic>
+        <p:nvPicPr>
+          <p:cNvPr id="4" name="Content Placeholder 3"/>
+          <p:cNvPicPr>
+            <a:picLocks noChangeAspect="1"/>
+          </p:cNvPicPr>
+          <p:nvPr>
+            <p:ph idx="1"/>
+          </p:nvPr>
+        </p:nvPicPr>
+        <p:blipFill>
+          <a:blip r:embed="rId1"/>
+          <a:stretch>
+            <a:fillRect/>
+          </a:stretch>
+        </p:blipFill>
+        <p:spPr>
+          <a:xfrm>
+            <a:off x="202565" y="1374140"/>
+            <a:ext cx="11989435" cy="3393440"/>
+          </a:xfrm>
+          <a:prstGeom prst="rect">
+            <a:avLst/>
+          </a:prstGeom>
+        </p:spPr>
+      </p:pic>
+    </p:spTree>
+  </p:cSld>
+  <p:clrMapOvr>
+    <a:masterClrMapping/>
+  </p:clrMapOvr>
+</p:sld>
+</file>
+
+<file path=ppt/slides/slide24.xml><?xml version="1.0" encoding="utf-8"?>
+<p:sld xmlns:a="http://schemas.openxmlformats.org/drawingml/2006/main" xmlns:r="http://schemas.openxmlformats.org/officeDocument/2006/relationships" xmlns:p="http://schemas.openxmlformats.org/presentationml/2006/main">
+  <p:cSld>
+    <p:spTree>
+      <p:nvGrpSpPr>
+        <p:cNvPr id="1" name=""/>
+        <p:cNvGrpSpPr/>
+        <p:nvPr/>
+      </p:nvGrpSpPr>
+      <p:grpSpPr/>
+      <p:sp>
+        <p:nvSpPr>
+          <p:cNvPr id="2" name="Title 1"/>
+          <p:cNvSpPr>
+            <a:spLocks noGrp="1"/>
+          </p:cNvSpPr>
+          <p:nvPr>
+            <p:ph type="title"/>
+          </p:nvPr>
+        </p:nvSpPr>
+        <p:spPr/>
+        <p:txBody>
+          <a:bodyPr/>
+          <a:p>
+            <a:r>
+              <a:rPr lang="en-US"/>
+              <a:t>Interval MAE for signal C</a:t>
+            </a:r>
+            <a:endParaRPr lang="en-US"/>
+          </a:p>
+        </p:txBody>
+      </p:sp>
+      <p:pic>
+        <p:nvPicPr>
+          <p:cNvPr id="4" name="Content Placeholder 3"/>
+          <p:cNvPicPr>
+            <a:picLocks noChangeAspect="1"/>
+          </p:cNvPicPr>
+          <p:nvPr>
+            <p:ph idx="1"/>
+          </p:nvPr>
+        </p:nvPicPr>
+        <p:blipFill>
+          <a:blip r:embed="rId1"/>
+          <a:stretch>
+            <a:fillRect/>
+          </a:stretch>
+        </p:blipFill>
+        <p:spPr>
+          <a:xfrm>
+            <a:off x="202565" y="1374140"/>
+            <a:ext cx="11989435" cy="3393440"/>
+          </a:xfrm>
+          <a:prstGeom prst="rect">
+            <a:avLst/>
+          </a:prstGeom>
+        </p:spPr>
+      </p:pic>
+      <p:pic>
+        <p:nvPicPr>
+          <p:cNvPr id="6" name="Content Placeholder 5"/>
+          <p:cNvPicPr>
+            <a:picLocks noChangeAspect="1"/>
+          </p:cNvPicPr>
+          <p:nvPr/>
+        </p:nvPicPr>
+        <p:blipFill>
+          <a:blip r:embed="rId2"/>
+          <a:stretch>
+            <a:fillRect/>
+          </a:stretch>
+        </p:blipFill>
+        <p:spPr>
+          <a:xfrm>
+            <a:off x="687070" y="487045"/>
+            <a:ext cx="5434330" cy="4280535"/>
+          </a:xfrm>
+          <a:prstGeom prst="rect">
+            <a:avLst/>
+          </a:prstGeom>
+        </p:spPr>
+      </p:pic>
+      <p:pic>
+        <p:nvPicPr>
+          <p:cNvPr id="7" name="Picture 6"/>
+          <p:cNvPicPr>
+            <a:picLocks noChangeAspect="1"/>
+          </p:cNvPicPr>
+          <p:nvPr/>
+        </p:nvPicPr>
+        <p:blipFill>
+          <a:blip r:embed="rId3"/>
+          <a:stretch>
+            <a:fillRect/>
+          </a:stretch>
+        </p:blipFill>
+        <p:spPr>
+          <a:xfrm>
+            <a:off x="687070" y="5158740"/>
+            <a:ext cx="5461635" cy="1376045"/>
+          </a:xfrm>
+          <a:prstGeom prst="rect">
+            <a:avLst/>
+          </a:prstGeom>
+        </p:spPr>
+      </p:pic>
+      <p:pic>
+        <p:nvPicPr>
+          <p:cNvPr id="8" name="Picture 7"/>
+          <p:cNvPicPr>
+            <a:picLocks noChangeAspect="1"/>
+          </p:cNvPicPr>
+          <p:nvPr/>
+        </p:nvPicPr>
+        <p:blipFill>
+          <a:blip r:embed="rId4"/>
+          <a:stretch>
+            <a:fillRect/>
+          </a:stretch>
+        </p:blipFill>
+        <p:spPr>
+          <a:xfrm>
+            <a:off x="6668135" y="5158740"/>
+            <a:ext cx="5101590" cy="1376045"/>
+          </a:xfrm>
+          <a:prstGeom prst="rect">
+            <a:avLst/>
+          </a:prstGeom>
+        </p:spPr>
+      </p:pic>
+      <p:pic>
+        <p:nvPicPr>
+          <p:cNvPr id="10" name="Picture 9"/>
+          <p:cNvPicPr>
+            <a:picLocks noChangeAspect="1"/>
+          </p:cNvPicPr>
+          <p:nvPr/>
+        </p:nvPicPr>
+        <p:blipFill>
+          <a:blip r:embed="rId5"/>
+          <a:stretch>
+            <a:fillRect/>
+          </a:stretch>
+        </p:blipFill>
+        <p:spPr>
+          <a:xfrm>
+            <a:off x="6668135" y="1017905"/>
+            <a:ext cx="4783455" cy="3927475"/>
+          </a:xfrm>
+          <a:prstGeom prst="rect">
+            <a:avLst/>
+          </a:prstGeom>
+        </p:spPr>
+      </p:pic>
+    </p:spTree>
+  </p:cSld>
+  <p:clrMapOvr>
+    <a:masterClrMapping/>
+  </p:clrMapOvr>
+</p:sld>
+</file>
+
+<file path=ppt/slides/slide25.xml><?xml version="1.0" encoding="utf-8"?>
+<p:sld xmlns:a="http://schemas.openxmlformats.org/drawingml/2006/main" xmlns:r="http://schemas.openxmlformats.org/officeDocument/2006/relationships" xmlns:p="http://schemas.openxmlformats.org/presentationml/2006/main">
+  <p:cSld>
+    <p:spTree>
+      <p:nvGrpSpPr>
+        <p:cNvPr id="1" name=""/>
+        <p:cNvGrpSpPr/>
+        <p:nvPr/>
+      </p:nvGrpSpPr>
+      <p:grpSpPr/>
+      <p:sp>
+        <p:nvSpPr>
+          <p:cNvPr id="2" name="Title 1"/>
+          <p:cNvSpPr>
+            <a:spLocks noGrp="1"/>
+          </p:cNvSpPr>
+          <p:nvPr>
+            <p:ph type="title"/>
+          </p:nvPr>
+        </p:nvSpPr>
+        <p:spPr/>
+        <p:txBody>
+          <a:bodyPr>
+            <a:normAutofit/>
+          </a:bodyPr>
+          <a:p>
+            <a:r>
+              <a:rPr lang="en-US">
+                <a:sym typeface="+mn-ea"/>
+              </a:rPr>
+              <a:t>Interval MAE for signal D</a:t>
+            </a:r>
+            <a:endParaRPr lang="en-US"/>
+          </a:p>
+        </p:txBody>
+      </p:sp>
+      <p:pic>
+        <p:nvPicPr>
+          <p:cNvPr id="8" name="Content Placeholder 7"/>
+          <p:cNvPicPr>
+            <a:picLocks noChangeAspect="1"/>
+          </p:cNvPicPr>
+          <p:nvPr>
+            <p:ph idx="1"/>
+          </p:nvPr>
+        </p:nvPicPr>
+        <p:blipFill>
+          <a:blip r:embed="rId1"/>
+          <a:stretch>
+            <a:fillRect/>
+          </a:stretch>
+        </p:blipFill>
+        <p:spPr>
+          <a:xfrm>
+            <a:off x="361315" y="1428115"/>
+            <a:ext cx="11146790" cy="3218180"/>
+          </a:xfrm>
+          <a:prstGeom prst="rect">
+            <a:avLst/>
+          </a:prstGeom>
+        </p:spPr>
+      </p:pic>
+    </p:spTree>
+  </p:cSld>
+  <p:clrMapOvr>
+    <a:masterClrMapping/>
+  </p:clrMapOvr>
+</p:sld>
+</file>
+
+<file path=ppt/slides/slide26.xml><?xml version="1.0" encoding="utf-8"?>
+<p:sld xmlns:a="http://schemas.openxmlformats.org/drawingml/2006/main" xmlns:r="http://schemas.openxmlformats.org/officeDocument/2006/relationships" xmlns:p="http://schemas.openxmlformats.org/presentationml/2006/main">
+  <p:cSld>
+    <p:spTree>
+      <p:nvGrpSpPr>
+        <p:cNvPr id="1" name=""/>
+        <p:cNvGrpSpPr/>
+        <p:nvPr/>
+      </p:nvGrpSpPr>
+      <p:grpSpPr/>
+      <p:sp>
+        <p:nvSpPr>
+          <p:cNvPr id="17" name="Title 16"/>
+          <p:cNvSpPr>
+            <a:spLocks noGrp="1"/>
+          </p:cNvSpPr>
+          <p:nvPr>
+            <p:ph type="title"/>
+          </p:nvPr>
+        </p:nvSpPr>
+        <p:spPr/>
+        <p:txBody>
+          <a:bodyPr/>
+          <a:p>
+            <a:endParaRPr lang="en-US"/>
+          </a:p>
+        </p:txBody>
+      </p:sp>
+      <p:pic>
+        <p:nvPicPr>
+          <p:cNvPr id="5" name="Picture 4"/>
+          <p:cNvPicPr>
+            <a:picLocks noChangeAspect="1"/>
+          </p:cNvPicPr>
+          <p:nvPr/>
+        </p:nvPicPr>
+        <p:blipFill>
+          <a:blip r:embed="rId1"/>
+          <a:stretch>
+            <a:fillRect/>
+          </a:stretch>
+        </p:blipFill>
+        <p:spPr>
+          <a:xfrm>
+            <a:off x="91440" y="2239010"/>
+            <a:ext cx="4083685" cy="2379345"/>
+          </a:xfrm>
+          <a:prstGeom prst="rect">
+            <a:avLst/>
+          </a:prstGeom>
+        </p:spPr>
+      </p:pic>
+      <p:pic>
+        <p:nvPicPr>
+          <p:cNvPr id="15" name="Content Placeholder 14"/>
+          <p:cNvPicPr>
+            <a:picLocks noChangeAspect="1"/>
+          </p:cNvPicPr>
+          <p:nvPr>
+            <p:ph sz="half" idx="1"/>
+          </p:nvPr>
+        </p:nvPicPr>
+        <p:blipFill>
+          <a:blip r:embed="rId2"/>
+          <a:stretch>
+            <a:fillRect/>
+          </a:stretch>
+        </p:blipFill>
+        <p:spPr>
+          <a:xfrm>
+            <a:off x="0" y="0"/>
+            <a:ext cx="5181600" cy="2284095"/>
+          </a:xfrm>
+          <a:prstGeom prst="rect">
+            <a:avLst/>
+          </a:prstGeom>
+        </p:spPr>
+      </p:pic>
+      <p:pic>
+        <p:nvPicPr>
+          <p:cNvPr id="16" name="Content Placeholder 15"/>
+          <p:cNvPicPr>
+            <a:picLocks noChangeAspect="1"/>
+          </p:cNvPicPr>
+          <p:nvPr>
+            <p:ph sz="half" idx="2"/>
+          </p:nvPr>
+        </p:nvPicPr>
+        <p:blipFill>
+          <a:blip r:embed="rId3"/>
+          <a:stretch>
+            <a:fillRect/>
+          </a:stretch>
+        </p:blipFill>
+        <p:spPr>
+          <a:xfrm>
+            <a:off x="7010400" y="0"/>
+            <a:ext cx="5181600" cy="2666365"/>
+          </a:xfrm>
+          <a:prstGeom prst="rect">
+            <a:avLst/>
+          </a:prstGeom>
+        </p:spPr>
+      </p:pic>
+      <p:pic>
+        <p:nvPicPr>
+          <p:cNvPr id="18" name="Picture 17"/>
+          <p:cNvPicPr>
+            <a:picLocks noChangeAspect="1"/>
+          </p:cNvPicPr>
+          <p:nvPr/>
+        </p:nvPicPr>
+        <p:blipFill>
+          <a:blip r:embed="rId4"/>
+          <a:stretch>
+            <a:fillRect/>
+          </a:stretch>
+        </p:blipFill>
+        <p:spPr>
+          <a:xfrm>
+            <a:off x="7847965" y="2776855"/>
+            <a:ext cx="4344035" cy="2658110"/>
+          </a:xfrm>
+          <a:prstGeom prst="rect">
+            <a:avLst/>
+          </a:prstGeom>
+        </p:spPr>
+      </p:pic>
+    </p:spTree>
+  </p:cSld>
+  <p:clrMapOvr>
+    <a:masterClrMapping/>
+  </p:clrMapOvr>
+</p:sld>
+</file>
+
+<file path=ppt/slides/slide27.xml><?xml version="1.0" encoding="utf-8"?>
+<p:sld xmlns:a="http://schemas.openxmlformats.org/drawingml/2006/main" xmlns:r="http://schemas.openxmlformats.org/officeDocument/2006/relationships" xmlns:p="http://schemas.openxmlformats.org/presentationml/2006/main">
+  <p:cSld>
+    <p:spTree>
+      <p:nvGrpSpPr>
+        <p:cNvPr id="1" name=""/>
+        <p:cNvGrpSpPr/>
+        <p:nvPr/>
+      </p:nvGrpSpPr>
+      <p:grpSpPr/>
+      <p:sp>
+        <p:nvSpPr>
+          <p:cNvPr id="17" name="Title 16"/>
+          <p:cNvSpPr>
+            <a:spLocks noGrp="1"/>
+          </p:cNvSpPr>
+          <p:nvPr>
+            <p:ph type="title"/>
+          </p:nvPr>
+        </p:nvSpPr>
+        <p:spPr/>
+        <p:txBody>
+          <a:bodyPr/>
+          <a:p>
+            <a:endParaRPr lang="en-US"/>
+          </a:p>
+        </p:txBody>
+      </p:sp>
+      <p:pic>
+        <p:nvPicPr>
+          <p:cNvPr id="5" name="Picture 4"/>
+          <p:cNvPicPr>
+            <a:picLocks noChangeAspect="1"/>
+          </p:cNvPicPr>
+          <p:nvPr/>
+        </p:nvPicPr>
+        <p:blipFill>
+          <a:blip r:embed="rId1"/>
+          <a:stretch>
+            <a:fillRect/>
+          </a:stretch>
+        </p:blipFill>
+        <p:spPr>
+          <a:xfrm>
+            <a:off x="91440" y="2239010"/>
+            <a:ext cx="4083685" cy="2379345"/>
+          </a:xfrm>
+          <a:prstGeom prst="rect">
+            <a:avLst/>
+          </a:prstGeom>
+        </p:spPr>
+      </p:pic>
+      <p:pic>
+        <p:nvPicPr>
+          <p:cNvPr id="15" name="Content Placeholder 14"/>
+          <p:cNvPicPr>
+            <a:picLocks noChangeAspect="1"/>
+          </p:cNvPicPr>
+          <p:nvPr>
+            <p:ph sz="half" idx="1"/>
+          </p:nvPr>
+        </p:nvPicPr>
+        <p:blipFill>
+          <a:blip r:embed="rId2"/>
+          <a:stretch>
+            <a:fillRect/>
+          </a:stretch>
+        </p:blipFill>
+        <p:spPr>
+          <a:xfrm>
+            <a:off x="0" y="0"/>
+            <a:ext cx="5181600" cy="2284095"/>
+          </a:xfrm>
+          <a:prstGeom prst="rect">
+            <a:avLst/>
+          </a:prstGeom>
+        </p:spPr>
+      </p:pic>
+      <p:pic>
+        <p:nvPicPr>
+          <p:cNvPr id="16" name="Content Placeholder 15"/>
+          <p:cNvPicPr>
+            <a:picLocks noChangeAspect="1"/>
+          </p:cNvPicPr>
+          <p:nvPr>
+            <p:ph sz="half" idx="2"/>
+          </p:nvPr>
+        </p:nvPicPr>
+        <p:blipFill>
+          <a:blip r:embed="rId3"/>
+          <a:stretch>
+            <a:fillRect/>
+          </a:stretch>
+        </p:blipFill>
+        <p:spPr>
+          <a:xfrm>
+            <a:off x="7010400" y="0"/>
+            <a:ext cx="5181600" cy="2666365"/>
+          </a:xfrm>
+          <a:prstGeom prst="rect">
+            <a:avLst/>
+          </a:prstGeom>
+        </p:spPr>
+      </p:pic>
+      <p:pic>
+        <p:nvPicPr>
+          <p:cNvPr id="18" name="Picture 17"/>
+          <p:cNvPicPr>
+            <a:picLocks noChangeAspect="1"/>
+          </p:cNvPicPr>
+          <p:nvPr/>
+        </p:nvPicPr>
+        <p:blipFill>
+          <a:blip r:embed="rId4"/>
+          <a:stretch>
+            <a:fillRect/>
+          </a:stretch>
+        </p:blipFill>
+        <p:spPr>
+          <a:xfrm>
+            <a:off x="7847965" y="2776855"/>
+            <a:ext cx="4344035" cy="2658110"/>
+          </a:xfrm>
+          <a:prstGeom prst="rect">
+            <a:avLst/>
+          </a:prstGeom>
+        </p:spPr>
+      </p:pic>
+      <p:pic>
+        <p:nvPicPr>
+          <p:cNvPr id="2" name="Picture 1"/>
+          <p:cNvPicPr>
+            <a:picLocks noChangeAspect="1"/>
+          </p:cNvPicPr>
+          <p:nvPr/>
+        </p:nvPicPr>
+        <p:blipFill>
+          <a:blip r:embed="rId5"/>
+          <a:stretch>
+            <a:fillRect/>
+          </a:stretch>
+        </p:blipFill>
+        <p:spPr>
+          <a:xfrm>
+            <a:off x="0" y="4074160"/>
+            <a:ext cx="4690110" cy="2651125"/>
+          </a:xfrm>
+          <a:prstGeom prst="rect">
+            <a:avLst/>
+          </a:prstGeom>
+        </p:spPr>
+      </p:pic>
+      <p:pic>
+        <p:nvPicPr>
+          <p:cNvPr id="3" name="Picture 2"/>
+          <p:cNvPicPr>
+            <a:picLocks noChangeAspect="1"/>
+          </p:cNvPicPr>
+          <p:nvPr/>
+        </p:nvPicPr>
+        <p:blipFill>
+          <a:blip r:embed="rId6"/>
+          <a:stretch>
+            <a:fillRect/>
+          </a:stretch>
+        </p:blipFill>
+        <p:spPr>
+          <a:xfrm>
+            <a:off x="0" y="243840"/>
+            <a:ext cx="5118735" cy="3830320"/>
+          </a:xfrm>
+          <a:prstGeom prst="rect">
+            <a:avLst/>
+          </a:prstGeom>
+        </p:spPr>
+      </p:pic>
+      <p:pic>
+        <p:nvPicPr>
+          <p:cNvPr id="4" name="Picture 3"/>
+          <p:cNvPicPr>
+            <a:picLocks noChangeAspect="1"/>
+          </p:cNvPicPr>
+          <p:nvPr/>
+        </p:nvPicPr>
+        <p:blipFill>
+          <a:blip r:embed="rId7"/>
+          <a:stretch>
+            <a:fillRect/>
+          </a:stretch>
+        </p:blipFill>
+        <p:spPr>
+          <a:xfrm>
+            <a:off x="5306695" y="581660"/>
+            <a:ext cx="6690360" cy="3154680"/>
+          </a:xfrm>
+          <a:prstGeom prst="rect">
+            <a:avLst/>
+          </a:prstGeom>
+        </p:spPr>
+      </p:pic>
+      <p:pic>
+        <p:nvPicPr>
+          <p:cNvPr id="6" name="Picture 5"/>
+          <p:cNvPicPr>
+            <a:picLocks noChangeAspect="1"/>
+          </p:cNvPicPr>
+          <p:nvPr/>
+        </p:nvPicPr>
+        <p:blipFill>
+          <a:blip r:embed="rId8"/>
+          <a:stretch>
+            <a:fillRect/>
+          </a:stretch>
+        </p:blipFill>
+        <p:spPr>
+          <a:xfrm>
+            <a:off x="5901690" y="3816985"/>
+            <a:ext cx="6095365" cy="2908300"/>
+          </a:xfrm>
+          <a:prstGeom prst="rect">
+            <a:avLst/>
+          </a:prstGeom>
+        </p:spPr>
+      </p:pic>
+    </p:spTree>
+  </p:cSld>
+  <p:clrMapOvr>
+    <a:masterClrMapping/>
+  </p:clrMapOvr>
+</p:sld>
+</file>
+
+<file path=ppt/slides/slide3.xml><?xml version="1.0" encoding="utf-8"?>
+<p:sld xmlns:a="http://schemas.openxmlformats.org/drawingml/2006/main" xmlns:r="http://schemas.openxmlformats.org/officeDocument/2006/relationships" xmlns:p="http://schemas.openxmlformats.org/presentationml/2006/main">
+  <p:cSld>
+    <p:spTree>
+      <p:nvGrpSpPr>
+        <p:cNvPr id="1" name=""/>
+        <p:cNvGrpSpPr/>
+        <p:nvPr/>
+      </p:nvGrpSpPr>
+      <p:grpSpPr/>
+      <p:sp>
+        <p:nvSpPr>
+          <p:cNvPr id="2" name="Title 1"/>
+          <p:cNvSpPr>
+            <a:spLocks noGrp="1"/>
+          </p:cNvSpPr>
+          <p:nvPr>
+            <p:ph type="title"/>
+          </p:nvPr>
+        </p:nvSpPr>
+        <p:spPr/>
+        <p:txBody>
+          <a:bodyPr/>
+          <a:p>
+            <a:r>
+              <a:rPr lang="en-US"/>
+              <a:t>Display sampling signal with original signal (A)</a:t>
+            </a:r>
+            <a:endParaRPr lang="en-US"/>
+          </a:p>
+        </p:txBody>
+      </p:sp>
+      <p:pic>
+        <p:nvPicPr>
+          <p:cNvPr id="7" name="Content Placeholder 6"/>
+          <p:cNvPicPr>
+            <a:picLocks noChangeAspect="1"/>
+          </p:cNvPicPr>
+          <p:nvPr>
+            <p:ph sz="half" idx="1"/>
+          </p:nvPr>
+        </p:nvPicPr>
+        <p:blipFill>
+          <a:blip r:embed="rId1"/>
+          <a:stretch>
+            <a:fillRect/>
+          </a:stretch>
+        </p:blipFill>
+        <p:spPr>
+          <a:xfrm>
+            <a:off x="784860" y="1480185"/>
+            <a:ext cx="5181600" cy="1668780"/>
+          </a:xfrm>
+          <a:prstGeom prst="rect">
+            <a:avLst/>
+          </a:prstGeom>
+        </p:spPr>
+      </p:pic>
+      <p:pic>
+        <p:nvPicPr>
+          <p:cNvPr id="8" name="Content Placeholder 7"/>
+          <p:cNvPicPr>
+            <a:picLocks noChangeAspect="1"/>
+          </p:cNvPicPr>
+          <p:nvPr>
+            <p:ph sz="half" idx="2"/>
+          </p:nvPr>
+        </p:nvPicPr>
+        <p:blipFill>
+          <a:blip r:embed="rId2"/>
+          <a:stretch>
+            <a:fillRect/>
+          </a:stretch>
+        </p:blipFill>
+        <p:spPr>
+          <a:xfrm>
+            <a:off x="6172200" y="1444625"/>
+            <a:ext cx="5181600" cy="1704340"/>
+          </a:xfrm>
+          <a:prstGeom prst="rect">
+            <a:avLst/>
+          </a:prstGeom>
+        </p:spPr>
+      </p:pic>
+      <p:pic>
+        <p:nvPicPr>
+          <p:cNvPr id="9" name="Picture 8"/>
+          <p:cNvPicPr>
+            <a:picLocks noChangeAspect="1"/>
+          </p:cNvPicPr>
+          <p:nvPr/>
+        </p:nvPicPr>
+        <p:blipFill>
+          <a:blip r:embed="rId3"/>
+          <a:stretch>
+            <a:fillRect/>
+          </a:stretch>
+        </p:blipFill>
+        <p:spPr>
+          <a:xfrm>
+            <a:off x="796290" y="3173095"/>
+            <a:ext cx="5375910" cy="1777365"/>
+          </a:xfrm>
+          <a:prstGeom prst="rect">
+            <a:avLst/>
+          </a:prstGeom>
+        </p:spPr>
+      </p:pic>
+      <p:pic>
+        <p:nvPicPr>
+          <p:cNvPr id="10" name="Picture 9"/>
+          <p:cNvPicPr>
+            <a:picLocks noChangeAspect="1"/>
+          </p:cNvPicPr>
+          <p:nvPr/>
+        </p:nvPicPr>
+        <p:blipFill>
+          <a:blip r:embed="rId4"/>
+          <a:stretch>
+            <a:fillRect/>
+          </a:stretch>
+        </p:blipFill>
+        <p:spPr>
+          <a:xfrm>
+            <a:off x="6214745" y="3148965"/>
+            <a:ext cx="5095875" cy="1777365"/>
+          </a:xfrm>
+          <a:prstGeom prst="rect">
+            <a:avLst/>
+          </a:prstGeom>
+        </p:spPr>
+      </p:pic>
+      <p:pic>
+        <p:nvPicPr>
+          <p:cNvPr id="11" name="Picture 10"/>
+          <p:cNvPicPr>
+            <a:picLocks noChangeAspect="1"/>
+          </p:cNvPicPr>
+          <p:nvPr/>
+        </p:nvPicPr>
+        <p:blipFill>
+          <a:blip r:embed="rId5"/>
+          <a:stretch>
+            <a:fillRect/>
+          </a:stretch>
+        </p:blipFill>
+        <p:spPr>
+          <a:xfrm>
+            <a:off x="838200" y="4973955"/>
+            <a:ext cx="5122545" cy="1680210"/>
+          </a:xfrm>
+          <a:prstGeom prst="rect">
+            <a:avLst/>
+          </a:prstGeom>
+        </p:spPr>
+      </p:pic>
+      <p:pic>
+        <p:nvPicPr>
+          <p:cNvPr id="12" name="Picture 11"/>
+          <p:cNvPicPr>
+            <a:picLocks noChangeAspect="1"/>
+          </p:cNvPicPr>
+          <p:nvPr/>
+        </p:nvPicPr>
+        <p:blipFill>
+          <a:blip r:embed="rId6"/>
+          <a:stretch>
+            <a:fillRect/>
+          </a:stretch>
+        </p:blipFill>
+        <p:spPr>
+          <a:xfrm>
+            <a:off x="6214745" y="4926330"/>
+            <a:ext cx="5193665" cy="1692910"/>
+          </a:xfrm>
+          <a:prstGeom prst="rect">
+            <a:avLst/>
+          </a:prstGeom>
+        </p:spPr>
+      </p:pic>
+    </p:spTree>
+  </p:cSld>
+  <p:clrMapOvr>
+    <a:masterClrMapping/>
+  </p:clrMapOvr>
+</p:sld>
+</file>
+
+<file path=ppt/slides/slide4.xml><?xml version="1.0" encoding="utf-8"?>
+<p:sld xmlns:a="http://schemas.openxmlformats.org/drawingml/2006/main" xmlns:r="http://schemas.openxmlformats.org/officeDocument/2006/relationships" xmlns:p="http://schemas.openxmlformats.org/presentationml/2006/main">
+  <p:cSld>
+    <p:spTree>
+      <p:nvGrpSpPr>
+        <p:cNvPr id="1" name=""/>
+        <p:cNvGrpSpPr/>
+        <p:nvPr/>
+      </p:nvGrpSpPr>
+      <p:grpSpPr/>
+      <p:sp>
+        <p:nvSpPr>
+          <p:cNvPr id="2" name="Title 1"/>
+          <p:cNvSpPr>
+            <a:spLocks noGrp="1"/>
+          </p:cNvSpPr>
+          <p:nvPr>
+            <p:ph type="title"/>
+          </p:nvPr>
+        </p:nvSpPr>
+        <p:spPr/>
+        <p:txBody>
+          <a:bodyPr/>
+          <a:p>
+            <a:r>
+              <a:rPr lang="en-US">
+                <a:sym typeface="+mn-ea"/>
+              </a:rPr>
+              <a:t>Display sampling signal with original signal (B)</a:t>
+            </a:r>
+            <a:endParaRPr lang="en-US"/>
+          </a:p>
+        </p:txBody>
+      </p:sp>
+      <p:pic>
+        <p:nvPicPr>
+          <p:cNvPr id="7" name="Content Placeholder 6"/>
+          <p:cNvPicPr>
+            <a:picLocks noChangeAspect="1"/>
+          </p:cNvPicPr>
+          <p:nvPr>
+            <p:ph sz="half" idx="1"/>
+          </p:nvPr>
+        </p:nvPicPr>
+        <p:blipFill>
+          <a:blip r:embed="rId1"/>
+          <a:stretch>
+            <a:fillRect/>
+          </a:stretch>
+        </p:blipFill>
+        <p:spPr>
+          <a:xfrm>
+            <a:off x="838200" y="1691005"/>
+            <a:ext cx="5181600" cy="1685925"/>
+          </a:xfrm>
+          <a:prstGeom prst="rect">
+            <a:avLst/>
+          </a:prstGeom>
+        </p:spPr>
+      </p:pic>
+      <p:pic>
+        <p:nvPicPr>
+          <p:cNvPr id="9" name="Content Placeholder 8"/>
+          <p:cNvPicPr>
+            <a:picLocks noChangeAspect="1"/>
+          </p:cNvPicPr>
+          <p:nvPr>
+            <p:ph sz="half" idx="2"/>
+          </p:nvPr>
+        </p:nvPicPr>
+        <p:blipFill>
+          <a:blip r:embed="rId2"/>
+          <a:stretch>
+            <a:fillRect/>
+          </a:stretch>
+        </p:blipFill>
+        <p:spPr>
+          <a:xfrm>
+            <a:off x="6461125" y="1691005"/>
+            <a:ext cx="5181600" cy="1662430"/>
+          </a:xfrm>
+          <a:prstGeom prst="rect">
+            <a:avLst/>
+          </a:prstGeom>
+        </p:spPr>
+      </p:pic>
+      <p:pic>
+        <p:nvPicPr>
+          <p:cNvPr id="10" name="Picture 9"/>
+          <p:cNvPicPr>
+            <a:picLocks noChangeAspect="1"/>
+          </p:cNvPicPr>
+          <p:nvPr/>
+        </p:nvPicPr>
+        <p:blipFill>
+          <a:blip r:embed="rId3"/>
+          <a:stretch>
+            <a:fillRect/>
+          </a:stretch>
+        </p:blipFill>
+        <p:spPr>
+          <a:xfrm>
+            <a:off x="838200" y="3376930"/>
+            <a:ext cx="5601970" cy="1838960"/>
+          </a:xfrm>
+          <a:prstGeom prst="rect">
+            <a:avLst/>
+          </a:prstGeom>
+        </p:spPr>
+      </p:pic>
+      <p:pic>
+        <p:nvPicPr>
+          <p:cNvPr id="11" name="Picture 10"/>
+          <p:cNvPicPr>
+            <a:picLocks noChangeAspect="1"/>
+          </p:cNvPicPr>
+          <p:nvPr/>
+        </p:nvPicPr>
+        <p:blipFill>
+          <a:blip r:embed="rId4"/>
+          <a:stretch>
+            <a:fillRect/>
+          </a:stretch>
+        </p:blipFill>
+        <p:spPr>
+          <a:xfrm>
+            <a:off x="6440170" y="3371850"/>
+            <a:ext cx="5624830" cy="1846580"/>
+          </a:xfrm>
+          <a:prstGeom prst="rect">
+            <a:avLst/>
+          </a:prstGeom>
+        </p:spPr>
+      </p:pic>
+      <p:pic>
+        <p:nvPicPr>
+          <p:cNvPr id="12" name="Picture 11"/>
+          <p:cNvPicPr>
+            <a:picLocks noChangeAspect="1"/>
+          </p:cNvPicPr>
+          <p:nvPr/>
+        </p:nvPicPr>
+        <p:blipFill>
+          <a:blip r:embed="rId5"/>
+          <a:stretch>
+            <a:fillRect/>
+          </a:stretch>
+        </p:blipFill>
+        <p:spPr>
+          <a:xfrm>
+            <a:off x="872490" y="5186045"/>
+            <a:ext cx="5112385" cy="1671955"/>
+          </a:xfrm>
+          <a:prstGeom prst="rect">
+            <a:avLst/>
+          </a:prstGeom>
+        </p:spPr>
+      </p:pic>
+      <p:pic>
+        <p:nvPicPr>
+          <p:cNvPr id="13" name="Picture 12"/>
+          <p:cNvPicPr>
+            <a:picLocks noChangeAspect="1"/>
+          </p:cNvPicPr>
+          <p:nvPr/>
+        </p:nvPicPr>
+        <p:blipFill>
+          <a:blip r:embed="rId6"/>
+          <a:stretch>
+            <a:fillRect/>
+          </a:stretch>
+        </p:blipFill>
+        <p:spPr>
+          <a:xfrm>
+            <a:off x="6440170" y="5121910"/>
+            <a:ext cx="5524500" cy="1800860"/>
+          </a:xfrm>
+          <a:prstGeom prst="rect">
+            <a:avLst/>
+          </a:prstGeom>
+        </p:spPr>
+      </p:pic>
+    </p:spTree>
+  </p:cSld>
+  <p:clrMapOvr>
+    <a:masterClrMapping/>
+  </p:clrMapOvr>
+</p:sld>
+</file>
+
+<file path=ppt/slides/slide5.xml><?xml version="1.0" encoding="utf-8"?>
+<p:sld xmlns:a="http://schemas.openxmlformats.org/drawingml/2006/main" xmlns:r="http://schemas.openxmlformats.org/officeDocument/2006/relationships" xmlns:p="http://schemas.openxmlformats.org/presentationml/2006/main">
+  <p:cSld>
+    <p:spTree>
+      <p:nvGrpSpPr>
+        <p:cNvPr id="1" name=""/>
+        <p:cNvGrpSpPr/>
+        <p:nvPr/>
+      </p:nvGrpSpPr>
+      <p:grpSpPr/>
+      <p:sp>
+        <p:nvSpPr>
+          <p:cNvPr id="2" name="Title 1"/>
+          <p:cNvSpPr>
+            <a:spLocks noGrp="1"/>
+          </p:cNvSpPr>
+          <p:nvPr>
+            <p:ph type="title"/>
+          </p:nvPr>
+        </p:nvSpPr>
+        <p:spPr/>
+        <p:txBody>
+          <a:bodyPr/>
+          <a:p>
+            <a:r>
+              <a:rPr lang="en-US">
+                <a:sym typeface="+mn-ea"/>
+              </a:rPr>
+              <a:t>Display sampling signal with original signal (C)</a:t>
+            </a:r>
+            <a:endParaRPr lang="en-US"/>
+          </a:p>
+        </p:txBody>
+      </p:sp>
+      <p:pic>
+        <p:nvPicPr>
+          <p:cNvPr id="5" name="Content Placeholder 4"/>
+          <p:cNvPicPr>
+            <a:picLocks noChangeAspect="1"/>
+          </p:cNvPicPr>
+          <p:nvPr>
+            <p:ph sz="half" idx="1"/>
+          </p:nvPr>
+        </p:nvPicPr>
+        <p:blipFill>
+          <a:blip r:embed="rId1"/>
+          <a:stretch>
+            <a:fillRect/>
+          </a:stretch>
+        </p:blipFill>
+        <p:spPr>
+          <a:xfrm>
+            <a:off x="766445" y="1529080"/>
+            <a:ext cx="5181600" cy="1668780"/>
+          </a:xfrm>
+          <a:prstGeom prst="rect">
+            <a:avLst/>
+          </a:prstGeom>
+        </p:spPr>
+      </p:pic>
+      <p:pic>
+        <p:nvPicPr>
+          <p:cNvPr id="6" name="Content Placeholder 5"/>
+          <p:cNvPicPr>
+            <a:picLocks noChangeAspect="1"/>
+          </p:cNvPicPr>
+          <p:nvPr>
+            <p:ph sz="half" idx="2"/>
+          </p:nvPr>
+        </p:nvPicPr>
+        <p:blipFill>
+          <a:blip r:embed="rId2"/>
+          <a:stretch>
+            <a:fillRect/>
+          </a:stretch>
+        </p:blipFill>
+        <p:spPr>
+          <a:xfrm>
+            <a:off x="6123305" y="1529080"/>
+            <a:ext cx="5181600" cy="1705610"/>
+          </a:xfrm>
+          <a:prstGeom prst="rect">
+            <a:avLst/>
+          </a:prstGeom>
+        </p:spPr>
+      </p:pic>
+      <p:pic>
+        <p:nvPicPr>
+          <p:cNvPr id="7" name="Picture 6"/>
+          <p:cNvPicPr>
+            <a:picLocks noChangeAspect="1"/>
+          </p:cNvPicPr>
+          <p:nvPr/>
+        </p:nvPicPr>
+        <p:blipFill>
+          <a:blip r:embed="rId3"/>
+          <a:stretch>
+            <a:fillRect/>
+          </a:stretch>
+        </p:blipFill>
+        <p:spPr>
+          <a:xfrm>
+            <a:off x="766445" y="3197860"/>
+            <a:ext cx="5217795" cy="1702435"/>
+          </a:xfrm>
+          <a:prstGeom prst="rect">
+            <a:avLst/>
+          </a:prstGeom>
+        </p:spPr>
+      </p:pic>
+      <p:pic>
+        <p:nvPicPr>
+          <p:cNvPr id="8" name="Picture 7"/>
+          <p:cNvPicPr>
+            <a:picLocks noChangeAspect="1"/>
+          </p:cNvPicPr>
+          <p:nvPr/>
+        </p:nvPicPr>
+        <p:blipFill>
+          <a:blip r:embed="rId4"/>
+          <a:stretch>
+            <a:fillRect/>
+          </a:stretch>
+        </p:blipFill>
+        <p:spPr>
+          <a:xfrm>
+            <a:off x="5984240" y="3195320"/>
+            <a:ext cx="5230495" cy="1704975"/>
+          </a:xfrm>
+          <a:prstGeom prst="rect">
+            <a:avLst/>
+          </a:prstGeom>
+        </p:spPr>
+      </p:pic>
+      <p:pic>
+        <p:nvPicPr>
+          <p:cNvPr id="9" name="Picture 8"/>
+          <p:cNvPicPr>
+            <a:picLocks noChangeAspect="1"/>
+          </p:cNvPicPr>
+          <p:nvPr/>
+        </p:nvPicPr>
+        <p:blipFill>
+          <a:blip r:embed="rId5"/>
+          <a:stretch>
+            <a:fillRect/>
+          </a:stretch>
+        </p:blipFill>
+        <p:spPr>
+          <a:xfrm>
+            <a:off x="838200" y="4900295"/>
+            <a:ext cx="5036185" cy="1644015"/>
+          </a:xfrm>
+          <a:prstGeom prst="rect">
+            <a:avLst/>
+          </a:prstGeom>
+        </p:spPr>
+      </p:pic>
+      <p:pic>
+        <p:nvPicPr>
+          <p:cNvPr id="10" name="Picture 9"/>
+          <p:cNvPicPr>
+            <a:picLocks noChangeAspect="1"/>
+          </p:cNvPicPr>
+          <p:nvPr/>
+        </p:nvPicPr>
+        <p:blipFill>
+          <a:blip r:embed="rId6"/>
+          <a:stretch>
+            <a:fillRect/>
+          </a:stretch>
+        </p:blipFill>
+        <p:spPr>
+          <a:xfrm>
+            <a:off x="5948045" y="4900295"/>
+            <a:ext cx="5230495" cy="1704975"/>
+          </a:xfrm>
+          <a:prstGeom prst="rect">
+            <a:avLst/>
+          </a:prstGeom>
+        </p:spPr>
+      </p:pic>
+    </p:spTree>
+  </p:cSld>
+  <p:clrMapOvr>
+    <a:masterClrMapping/>
+  </p:clrMapOvr>
+</p:sld>
+</file>
+
+<file path=ppt/slides/slide6.xml><?xml version="1.0" encoding="utf-8"?>
+<p:sld xmlns:a="http://schemas.openxmlformats.org/drawingml/2006/main" xmlns:r="http://schemas.openxmlformats.org/officeDocument/2006/relationships" xmlns:p="http://schemas.openxmlformats.org/presentationml/2006/main">
+  <p:cSld>
+    <p:spTree>
+      <p:nvGrpSpPr>
+        <p:cNvPr id="1" name=""/>
+        <p:cNvGrpSpPr/>
+        <p:nvPr/>
+      </p:nvGrpSpPr>
+      <p:grpSpPr/>
+      <p:sp>
+        <p:nvSpPr>
+          <p:cNvPr id="2" name="Title 1"/>
+          <p:cNvSpPr>
+            <a:spLocks noGrp="1"/>
+          </p:cNvSpPr>
+          <p:nvPr>
+            <p:ph type="title"/>
+          </p:nvPr>
+        </p:nvSpPr>
+        <p:spPr/>
+        <p:txBody>
+          <a:bodyPr>
+            <a:normAutofit/>
+          </a:bodyPr>
+          <a:p>
+            <a:r>
+              <a:rPr lang="en-US">
+                <a:sym typeface="+mn-ea"/>
+              </a:rPr>
+              <a:t>Display sampling signal with original signal (B)</a:t>
+            </a:r>
+            <a:endParaRPr lang="en-US"/>
+          </a:p>
+        </p:txBody>
+      </p:sp>
+      <p:pic>
+        <p:nvPicPr>
+          <p:cNvPr id="5" name="Content Placeholder 4"/>
+          <p:cNvPicPr>
+            <a:picLocks noChangeAspect="1"/>
+          </p:cNvPicPr>
+          <p:nvPr>
+            <p:ph sz="half" idx="1"/>
+          </p:nvPr>
+        </p:nvPicPr>
+        <p:blipFill>
+          <a:blip r:embed="rId1"/>
+          <a:stretch>
+            <a:fillRect/>
+          </a:stretch>
+        </p:blipFill>
+        <p:spPr>
+          <a:xfrm>
+            <a:off x="739140" y="1369695"/>
+            <a:ext cx="5181600" cy="1702435"/>
+          </a:xfrm>
+          <a:prstGeom prst="rect">
+            <a:avLst/>
+          </a:prstGeom>
+        </p:spPr>
+      </p:pic>
+      <p:pic>
+        <p:nvPicPr>
+          <p:cNvPr id="6" name="Content Placeholder 5"/>
+          <p:cNvPicPr>
+            <a:picLocks noChangeAspect="1"/>
+          </p:cNvPicPr>
+          <p:nvPr>
+            <p:ph sz="half" idx="2"/>
+          </p:nvPr>
+        </p:nvPicPr>
+        <p:blipFill>
+          <a:blip r:embed="rId2"/>
+          <a:stretch>
+            <a:fillRect/>
+          </a:stretch>
+        </p:blipFill>
+        <p:spPr>
+          <a:xfrm>
+            <a:off x="6050280" y="1369695"/>
+            <a:ext cx="5181600" cy="1678305"/>
+          </a:xfrm>
+          <a:prstGeom prst="rect">
+            <a:avLst/>
+          </a:prstGeom>
+        </p:spPr>
+      </p:pic>
+      <p:pic>
+        <p:nvPicPr>
+          <p:cNvPr id="8" name="Picture 7"/>
+          <p:cNvPicPr>
+            <a:picLocks noChangeAspect="1"/>
+          </p:cNvPicPr>
+          <p:nvPr/>
+        </p:nvPicPr>
+        <p:blipFill>
+          <a:blip r:embed="rId3"/>
+          <a:stretch>
+            <a:fillRect/>
+          </a:stretch>
+        </p:blipFill>
+        <p:spPr>
+          <a:xfrm>
+            <a:off x="838200" y="3072130"/>
+            <a:ext cx="5165725" cy="1702435"/>
+          </a:xfrm>
+          <a:prstGeom prst="rect">
+            <a:avLst/>
+          </a:prstGeom>
+        </p:spPr>
+      </p:pic>
+      <p:pic>
+        <p:nvPicPr>
+          <p:cNvPr id="9" name="Picture 8"/>
+          <p:cNvPicPr>
+            <a:picLocks noChangeAspect="1"/>
+          </p:cNvPicPr>
+          <p:nvPr/>
+        </p:nvPicPr>
+        <p:blipFill>
+          <a:blip r:embed="rId4"/>
+          <a:stretch>
+            <a:fillRect/>
+          </a:stretch>
+        </p:blipFill>
+        <p:spPr>
+          <a:xfrm>
+            <a:off x="6153150" y="3072130"/>
+            <a:ext cx="5200650" cy="1703070"/>
+          </a:xfrm>
+          <a:prstGeom prst="rect">
+            <a:avLst/>
+          </a:prstGeom>
+        </p:spPr>
+      </p:pic>
+      <p:pic>
+        <p:nvPicPr>
+          <p:cNvPr id="10" name="Picture 9"/>
+          <p:cNvPicPr>
+            <a:picLocks noChangeAspect="1"/>
+          </p:cNvPicPr>
+          <p:nvPr/>
+        </p:nvPicPr>
+        <p:blipFill>
+          <a:blip r:embed="rId5"/>
+          <a:stretch>
+            <a:fillRect/>
+          </a:stretch>
+        </p:blipFill>
+        <p:spPr>
+          <a:xfrm>
+            <a:off x="739140" y="4876165"/>
+            <a:ext cx="5181600" cy="1696720"/>
+          </a:xfrm>
+          <a:prstGeom prst="rect">
+            <a:avLst/>
+          </a:prstGeom>
+        </p:spPr>
+      </p:pic>
+      <p:pic>
+        <p:nvPicPr>
+          <p:cNvPr id="11" name="Picture 10"/>
+          <p:cNvPicPr>
+            <a:picLocks noChangeAspect="1"/>
+          </p:cNvPicPr>
+          <p:nvPr/>
+        </p:nvPicPr>
+        <p:blipFill>
+          <a:blip r:embed="rId6"/>
+          <a:stretch>
+            <a:fillRect/>
+          </a:stretch>
+        </p:blipFill>
+        <p:spPr>
+          <a:xfrm>
+            <a:off x="6050280" y="4870450"/>
+            <a:ext cx="5234940" cy="1702435"/>
+          </a:xfrm>
+          <a:prstGeom prst="rect">
+            <a:avLst/>
+          </a:prstGeom>
+        </p:spPr>
+      </p:pic>
+    </p:spTree>
+  </p:cSld>
+  <p:clrMapOvr>
+    <a:masterClrMapping/>
+  </p:clrMapOvr>
+</p:sld>
+</file>
+
+<file path=ppt/slides/slide7.xml><?xml version="1.0" encoding="utf-8"?>
+<p:sld xmlns:a="http://schemas.openxmlformats.org/drawingml/2006/main" xmlns:r="http://schemas.openxmlformats.org/officeDocument/2006/relationships" xmlns:p="http://schemas.openxmlformats.org/presentationml/2006/main">
+  <p:cSld>
+    <p:spTree>
+      <p:nvGrpSpPr>
+        <p:cNvPr id="1" name=""/>
+        <p:cNvGrpSpPr/>
+        <p:nvPr/>
+      </p:nvGrpSpPr>
+      <p:grpSpPr/>
+      <p:sp>
+        <p:nvSpPr>
+          <p:cNvPr id="2" name="Title 1"/>
+          <p:cNvSpPr>
+            <a:spLocks noGrp="1"/>
+          </p:cNvSpPr>
+          <p:nvPr>
+            <p:ph type="title"/>
+          </p:nvPr>
+        </p:nvSpPr>
+        <p:spPr/>
+        <p:txBody>
+          <a:bodyPr/>
+          <a:p>
+            <a:r>
+              <a:rPr lang="en-US"/>
+              <a:t>Linear complement</a:t>
+            </a:r>
+            <a:endParaRPr lang="en-US"/>
+          </a:p>
+        </p:txBody>
+      </p:sp>
+      <p:pic>
+        <p:nvPicPr>
+          <p:cNvPr id="5" name="Content Placeholder 4"/>
+          <p:cNvPicPr>
+            <a:picLocks noChangeAspect="1"/>
+          </p:cNvPicPr>
+          <p:nvPr>
+            <p:ph sz="half" idx="1"/>
+          </p:nvPr>
+        </p:nvPicPr>
+        <p:blipFill>
+          <a:blip r:embed="rId1"/>
+          <a:stretch>
+            <a:fillRect/>
+          </a:stretch>
+        </p:blipFill>
+        <p:spPr>
+          <a:xfrm>
+            <a:off x="921385" y="3687445"/>
+            <a:ext cx="9646285" cy="3170555"/>
+          </a:xfrm>
+          <a:prstGeom prst="rect">
+            <a:avLst/>
+          </a:prstGeom>
+        </p:spPr>
+      </p:pic>
+      <p:pic>
+        <p:nvPicPr>
+          <p:cNvPr id="13" name="Content Placeholder 12"/>
+          <p:cNvPicPr>
+            <a:picLocks noChangeAspect="1"/>
+          </p:cNvPicPr>
+          <p:nvPr>
+            <p:ph sz="half" idx="2"/>
+          </p:nvPr>
+        </p:nvPicPr>
+        <p:blipFill>
+          <a:blip r:embed="rId2"/>
+          <a:stretch>
+            <a:fillRect/>
+          </a:stretch>
+        </p:blipFill>
+        <p:spPr>
+          <a:xfrm>
+            <a:off x="6243320" y="570230"/>
+            <a:ext cx="5181600" cy="2594610"/>
+          </a:xfrm>
+          <a:prstGeom prst="rect">
+            <a:avLst/>
+          </a:prstGeom>
+        </p:spPr>
+      </p:pic>
+    </p:spTree>
+  </p:cSld>
+  <p:clrMapOvr>
+    <a:masterClrMapping/>
+  </p:clrMapOvr>
+</p:sld>
+</file>
+
+<file path=ppt/slides/slide8.xml><?xml version="1.0" encoding="utf-8"?>
+<p:sld xmlns:a="http://schemas.openxmlformats.org/drawingml/2006/main" xmlns:r="http://schemas.openxmlformats.org/officeDocument/2006/relationships" xmlns:p="http://schemas.openxmlformats.org/presentationml/2006/main">
+  <p:cSld>
+    <p:spTree>
+      <p:nvGrpSpPr>
+        <p:cNvPr id="1" name=""/>
+        <p:cNvGrpSpPr/>
+        <p:nvPr/>
+      </p:nvGrpSpPr>
+      <p:grpSpPr/>
+      <p:sp>
+        <p:nvSpPr>
+          <p:cNvPr id="2" name="Title 1"/>
+          <p:cNvSpPr>
+            <a:spLocks noGrp="1"/>
+          </p:cNvSpPr>
+          <p:nvPr>
+            <p:ph type="title"/>
+          </p:nvPr>
+        </p:nvSpPr>
+        <p:spPr/>
+        <p:txBody>
+          <a:bodyPr/>
+          <a:p>
+            <a:r>
+              <a:rPr lang="en-US"/>
+              <a:t>Sampling A with LC</a:t>
+            </a:r>
+            <a:endParaRPr lang="en-US"/>
+          </a:p>
+        </p:txBody>
+      </p:sp>
+      <p:pic>
+        <p:nvPicPr>
+          <p:cNvPr id="5" name="Content Placeholder 4"/>
+          <p:cNvPicPr>
+            <a:picLocks noChangeAspect="1"/>
+          </p:cNvPicPr>
+          <p:nvPr>
+            <p:ph sz="half" idx="1"/>
+          </p:nvPr>
+        </p:nvPicPr>
+        <p:blipFill>
+          <a:blip r:embed="rId1"/>
+          <a:stretch>
+            <a:fillRect/>
+          </a:stretch>
+        </p:blipFill>
+        <p:spPr>
+          <a:xfrm>
+            <a:off x="838200" y="1788795"/>
+            <a:ext cx="4841240" cy="1562735"/>
+          </a:xfrm>
+          <a:prstGeom prst="rect">
+            <a:avLst/>
+          </a:prstGeom>
+        </p:spPr>
+      </p:pic>
+      <p:pic>
+        <p:nvPicPr>
+          <p:cNvPr id="7" name="Content Placeholder 6"/>
+          <p:cNvPicPr>
+            <a:picLocks noChangeAspect="1"/>
+          </p:cNvPicPr>
+          <p:nvPr>
+            <p:ph sz="half" idx="2"/>
+          </p:nvPr>
+        </p:nvPicPr>
+        <p:blipFill>
+          <a:blip r:embed="rId2"/>
+          <a:stretch>
+            <a:fillRect/>
+          </a:stretch>
+        </p:blipFill>
+        <p:spPr>
+          <a:xfrm>
+            <a:off x="6144895" y="1748790"/>
+            <a:ext cx="4834255" cy="1602740"/>
+          </a:xfrm>
+          <a:prstGeom prst="rect">
+            <a:avLst/>
+          </a:prstGeom>
+        </p:spPr>
+      </p:pic>
+      <p:pic>
+        <p:nvPicPr>
+          <p:cNvPr id="8" name="Content Placeholder 4"/>
+          <p:cNvPicPr>
+            <a:picLocks noChangeAspect="1"/>
+          </p:cNvPicPr>
+          <p:nvPr/>
+        </p:nvPicPr>
+        <p:blipFill>
+          <a:blip r:embed="rId3"/>
+          <a:stretch>
+            <a:fillRect/>
+          </a:stretch>
+        </p:blipFill>
+        <p:spPr>
+          <a:xfrm>
+            <a:off x="838200" y="3246755"/>
+            <a:ext cx="4844415" cy="1562735"/>
+          </a:xfrm>
+          <a:prstGeom prst="rect">
+            <a:avLst/>
+          </a:prstGeom>
+        </p:spPr>
+      </p:pic>
+      <p:pic>
+        <p:nvPicPr>
+          <p:cNvPr id="9" name="Content Placeholder 5"/>
+          <p:cNvPicPr>
+            <a:picLocks noChangeAspect="1"/>
+          </p:cNvPicPr>
+          <p:nvPr/>
+        </p:nvPicPr>
+        <p:blipFill>
+          <a:blip r:embed="rId4"/>
+          <a:stretch>
+            <a:fillRect/>
+          </a:stretch>
+        </p:blipFill>
+        <p:spPr>
+          <a:xfrm>
+            <a:off x="6188075" y="3351530"/>
+            <a:ext cx="4791075" cy="1588135"/>
+          </a:xfrm>
+          <a:prstGeom prst="rect">
+            <a:avLst/>
+          </a:prstGeom>
+        </p:spPr>
+      </p:pic>
+      <p:pic>
+        <p:nvPicPr>
+          <p:cNvPr id="10" name="Picture 9"/>
+          <p:cNvPicPr>
+            <a:picLocks noChangeAspect="1"/>
+          </p:cNvPicPr>
+          <p:nvPr/>
+        </p:nvPicPr>
+        <p:blipFill>
+          <a:blip r:embed="rId5"/>
+          <a:stretch>
+            <a:fillRect/>
+          </a:stretch>
+        </p:blipFill>
+        <p:spPr>
+          <a:xfrm>
+            <a:off x="838200" y="4650740"/>
+            <a:ext cx="4839335" cy="1576705"/>
+          </a:xfrm>
+          <a:prstGeom prst="rect">
+            <a:avLst/>
+          </a:prstGeom>
+        </p:spPr>
+      </p:pic>
+      <p:pic>
+        <p:nvPicPr>
+          <p:cNvPr id="11" name="Picture 10"/>
+          <p:cNvPicPr>
+            <a:picLocks noChangeAspect="1"/>
+          </p:cNvPicPr>
+          <p:nvPr/>
+        </p:nvPicPr>
+        <p:blipFill>
+          <a:blip r:embed="rId6"/>
+          <a:stretch>
+            <a:fillRect/>
+          </a:stretch>
+        </p:blipFill>
+        <p:spPr>
+          <a:xfrm>
+            <a:off x="5944870" y="4809490"/>
+            <a:ext cx="4838700" cy="1557655"/>
+          </a:xfrm>
+          <a:prstGeom prst="rect">
+            <a:avLst/>
+          </a:prstGeom>
+        </p:spPr>
+      </p:pic>
+    </p:spTree>
+  </p:cSld>
+  <p:clrMapOvr>
+    <a:masterClrMapping/>
+  </p:clrMapOvr>
+</p:sld>
+</file>
+
+<file path=ppt/slides/slide9.xml><?xml version="1.0" encoding="utf-8"?>
+<p:sld xmlns:a="http://schemas.openxmlformats.org/drawingml/2006/main" xmlns:r="http://schemas.openxmlformats.org/officeDocument/2006/relationships" xmlns:p="http://schemas.openxmlformats.org/presentationml/2006/main">
+  <p:cSld>
+    <p:spTree>
+      <p:nvGrpSpPr>
+        <p:cNvPr id="1" name=""/>
+        <p:cNvGrpSpPr/>
+        <p:nvPr/>
+      </p:nvGrpSpPr>
+      <p:grpSpPr/>
+      <p:sp>
+        <p:nvSpPr>
+          <p:cNvPr id="2" name="Title 1"/>
+          <p:cNvSpPr>
+            <a:spLocks noGrp="1"/>
+          </p:cNvSpPr>
+          <p:nvPr>
+            <p:ph type="title"/>
+          </p:nvPr>
+        </p:nvSpPr>
+        <p:spPr/>
+        <p:txBody>
+          <a:bodyPr>
+            <a:normAutofit/>
+          </a:bodyPr>
+          <a:p>
+            <a:r>
+              <a:rPr lang="en-US">
+                <a:sym typeface="+mn-ea"/>
+              </a:rPr>
+              <a:t>Sampling B with LC</a:t>
+            </a:r>
+            <a:endParaRPr lang="en-US"/>
+          </a:p>
+        </p:txBody>
+      </p:sp>
+      <p:pic>
+        <p:nvPicPr>
+          <p:cNvPr id="5" name="Content Placeholder 4"/>
+          <p:cNvPicPr>
+            <a:picLocks noChangeAspect="1"/>
+          </p:cNvPicPr>
+          <p:nvPr>
+            <p:ph sz="half" idx="1"/>
+          </p:nvPr>
+        </p:nvPicPr>
+        <p:blipFill>
+          <a:blip r:embed="rId1"/>
+          <a:stretch>
+            <a:fillRect/>
+          </a:stretch>
+        </p:blipFill>
+        <p:spPr>
+          <a:xfrm>
+            <a:off x="838200" y="1691005"/>
+            <a:ext cx="5019675" cy="1638935"/>
+          </a:xfrm>
+          <a:prstGeom prst="rect">
+            <a:avLst/>
+          </a:prstGeom>
+        </p:spPr>
+      </p:pic>
+      <p:pic>
+        <p:nvPicPr>
+          <p:cNvPr id="6" name="Content Placeholder 5"/>
+          <p:cNvPicPr>
+            <a:picLocks noChangeAspect="1"/>
+          </p:cNvPicPr>
+          <p:nvPr>
+            <p:ph sz="half" idx="2"/>
+          </p:nvPr>
+        </p:nvPicPr>
+        <p:blipFill>
+          <a:blip r:embed="rId2"/>
+          <a:stretch>
+            <a:fillRect/>
+          </a:stretch>
+        </p:blipFill>
+        <p:spPr>
+          <a:xfrm>
+            <a:off x="6036310" y="1690370"/>
+            <a:ext cx="5021580" cy="1639570"/>
+          </a:xfrm>
+          <a:prstGeom prst="rect">
+            <a:avLst/>
+          </a:prstGeom>
+        </p:spPr>
+      </p:pic>
+      <p:pic>
+        <p:nvPicPr>
+          <p:cNvPr id="9" name="Content Placeholder 4"/>
+          <p:cNvPicPr>
+            <a:picLocks noChangeAspect="1"/>
+          </p:cNvPicPr>
+          <p:nvPr/>
+        </p:nvPicPr>
+        <p:blipFill>
+          <a:blip r:embed="rId3"/>
+          <a:stretch>
+            <a:fillRect/>
+          </a:stretch>
+        </p:blipFill>
+        <p:spPr>
+          <a:xfrm>
+            <a:off x="822325" y="3401695"/>
+            <a:ext cx="5052060" cy="1639570"/>
+          </a:xfrm>
+          <a:prstGeom prst="rect">
+            <a:avLst/>
+          </a:prstGeom>
+        </p:spPr>
+      </p:pic>
+      <p:pic>
+        <p:nvPicPr>
+          <p:cNvPr id="12" name="Picture 11"/>
+          <p:cNvPicPr>
+            <a:picLocks noChangeAspect="1"/>
+          </p:cNvPicPr>
+          <p:nvPr/>
+        </p:nvPicPr>
+        <p:blipFill>
+          <a:blip r:embed="rId4"/>
+          <a:stretch>
+            <a:fillRect/>
+          </a:stretch>
+        </p:blipFill>
+        <p:spPr>
+          <a:xfrm>
+            <a:off x="838200" y="5041265"/>
+            <a:ext cx="5018405" cy="1649730"/>
+          </a:xfrm>
+          <a:prstGeom prst="rect">
+            <a:avLst/>
+          </a:prstGeom>
+        </p:spPr>
+      </p:pic>
+      <p:pic>
+        <p:nvPicPr>
+          <p:cNvPr id="13" name="Picture 12"/>
+          <p:cNvPicPr>
+            <a:picLocks noChangeAspect="1"/>
+          </p:cNvPicPr>
+          <p:nvPr/>
+        </p:nvPicPr>
+        <p:blipFill>
+          <a:blip r:embed="rId5"/>
+          <a:stretch>
+            <a:fillRect/>
+          </a:stretch>
+        </p:blipFill>
+        <p:spPr>
+          <a:xfrm>
+            <a:off x="6203950" y="3401695"/>
+            <a:ext cx="4686300" cy="1524000"/>
+          </a:xfrm>
+          <a:prstGeom prst="rect">
+            <a:avLst/>
+          </a:prstGeom>
+        </p:spPr>
+      </p:pic>
+      <p:pic>
+        <p:nvPicPr>
+          <p:cNvPr id="14" name="Picture 13"/>
+          <p:cNvPicPr>
+            <a:picLocks noChangeAspect="1"/>
+          </p:cNvPicPr>
+          <p:nvPr/>
+        </p:nvPicPr>
+        <p:blipFill>
+          <a:blip r:embed="rId6"/>
+          <a:stretch>
+            <a:fillRect/>
+          </a:stretch>
+        </p:blipFill>
+        <p:spPr>
+          <a:xfrm>
+            <a:off x="6203950" y="4969510"/>
+            <a:ext cx="5190490" cy="1711960"/>
+          </a:xfrm>
+          <a:prstGeom prst="rect">
+            <a:avLst/>
+          </a:prstGeom>
+        </p:spPr>
+      </p:pic>
     </p:spTree>
   </p:cSld>
   <p:clrMapOvr>
